--- a/arslan_key_findings.pptx
+++ b/arslan_key_findings.pptx
@@ -1,30 +1,23 @@
 
 <file path=ppt/presentation.xml><?xml version="1.0" encoding="utf-8"?>
-<p:presentation xmlns:a="http://schemas.openxmlformats.org/drawingml/2006/main" xmlns:r="http://schemas.openxmlformats.org/officeDocument/2006/relationships" xmlns:p="http://schemas.openxmlformats.org/presentationml/2006/main" embedTrueTypeFonts="1" saveSubsetFonts="1">
+<p:presentation xmlns:a="http://schemas.openxmlformats.org/drawingml/2006/main" xmlns:r="http://schemas.openxmlformats.org/officeDocument/2006/relationships" xmlns:p="http://schemas.openxmlformats.org/presentationml/2006/main">
   <p:sldMasterIdLst>
     <p:sldMasterId id="2147484414" r:id="rId4"/>
   </p:sldMasterIdLst>
   <p:notesMasterIdLst>
-    <p:notesMasterId r:id="rId8"/>
+    <p:notesMasterId r:id="rId10"/>
   </p:notesMasterIdLst>
   <p:sldIdLst>
-    <p:sldId id="2134960571" r:id="rId5"/>
-    <p:sldId id="2134960572" r:id="rId6"/>
-    <p:sldId id="2134960573" r:id="rId7"/>
+    <p:sldId id="2134960581" r:id="rId5"/>
+    <p:sldId id="2134960582" r:id="rId6"/>
+    <p:sldId id="2134960583" r:id="rId7"/>
+    <p:sldId id="2134960584" r:id="rId8"/>
+    <p:sldId id="2134960585" r:id="rId9"/>
   </p:sldIdLst>
   <p:sldSz cx="12192000" cy="6858000"/>
   <p:notesSz cx="6858000" cy="9144000"/>
-  <p:embeddedFontLst>
-    <p:embeddedFont>
-      <p:font typeface="Source Sans Pro" panose="020B0503030403020204" pitchFamily="34" charset="0"/>
-      <p:regular r:id="rId9"/>
-      <p:bold r:id="rId10"/>
-      <p:italic r:id="rId11"/>
-      <p:boldItalic r:id="rId12"/>
-    </p:embeddedFont>
-  </p:embeddedFontLst>
   <p:custDataLst>
-    <p:tags r:id="rId13"/>
+    <p:tags r:id="rId11"/>
   </p:custDataLst>
   <p:defaultTextStyle>
     <a:defPPr>
@@ -560,7 +553,7 @@
           <a:p>
             <a:fld id="{A1891B42-7992-43C3-A15A-18DC7CF18A61}" type="datetimeFigureOut">
               <a:rPr lang="en-US" smtClean="0"/>
-              <a:t>10/25/24</a:t>
+              <a:t>12/12/24</a:t>
             </a:fld>
             <a:endParaRPr lang="en-US" dirty="0"/>
           </a:p>
@@ -832,94 +825,10 @@
   <p:cSld>
     <p:spTree>
       <p:nvGrpSpPr>
-        <p:cNvPr id="1" name=""/>
-        <p:cNvGrpSpPr/>
-        <p:nvPr/>
-      </p:nvGrpSpPr>
-      <p:grpSpPr>
-        <a:xfrm>
-          <a:off x="0" y="0"/>
-          <a:ext cx="0" cy="0"/>
-          <a:chOff x="0" y="0"/>
-          <a:chExt cx="0" cy="0"/>
-        </a:xfrm>
-      </p:grpSpPr>
-      <p:sp>
-        <p:nvSpPr>
-          <p:cNvPr id="2" name="Slide Image Placeholder 1"/>
-          <p:cNvSpPr>
-            <a:spLocks noGrp="1" noRot="1" noChangeAspect="1"/>
-          </p:cNvSpPr>
-          <p:nvPr>
-            <p:ph type="sldImg"/>
-          </p:nvPr>
-        </p:nvSpPr>
-        <p:spPr/>
-      </p:sp>
-      <p:sp>
-        <p:nvSpPr>
-          <p:cNvPr id="3" name="Notes Placeholder 2"/>
-          <p:cNvSpPr>
-            <a:spLocks noGrp="1"/>
-          </p:cNvSpPr>
-          <p:nvPr>
-            <p:ph type="body" idx="1"/>
-          </p:nvPr>
-        </p:nvSpPr>
-        <p:spPr/>
-        <p:txBody>
-          <a:bodyPr/>
-          <a:lstStyle/>
-          <a:p>
-            <a:endParaRPr lang="en-US" dirty="0"/>
-          </a:p>
-        </p:txBody>
-      </p:sp>
-      <p:sp>
-        <p:nvSpPr>
-          <p:cNvPr id="4" name="Slide Number Placeholder 3"/>
-          <p:cNvSpPr>
-            <a:spLocks noGrp="1"/>
-          </p:cNvSpPr>
-          <p:nvPr>
-            <p:ph type="sldNum" sz="quarter" idx="5"/>
-          </p:nvPr>
-        </p:nvSpPr>
-        <p:spPr/>
-        <p:txBody>
-          <a:bodyPr/>
-          <a:lstStyle/>
-          <a:p>
-            <a:fld id="{675ACFFD-4E7F-436E-B857-3414E8417E86}" type="slidenum">
-              <a:rPr lang="en-US" smtClean="0"/>
-              <a:t>1</a:t>
-            </a:fld>
-            <a:endParaRPr lang="en-US" dirty="0"/>
-          </a:p>
-        </p:txBody>
-      </p:sp>
-    </p:spTree>
-    <p:extLst>
-      <p:ext uri="{BB962C8B-B14F-4D97-AF65-F5344CB8AC3E}">
-        <p14:creationId xmlns:p14="http://schemas.microsoft.com/office/powerpoint/2010/main" val="3676069251"/>
-      </p:ext>
-    </p:extLst>
-  </p:cSld>
-  <p:clrMapOvr>
-    <a:masterClrMapping/>
-  </p:clrMapOvr>
-</p:notes>
-</file>
-
-<file path=ppt/notesSlides/notesSlide2.xml><?xml version="1.0" encoding="utf-8"?>
-<p:notes xmlns:a="http://schemas.openxmlformats.org/drawingml/2006/main" xmlns:r="http://schemas.openxmlformats.org/officeDocument/2006/relationships" xmlns:p="http://schemas.openxmlformats.org/presentationml/2006/main">
-  <p:cSld>
-    <p:spTree>
-      <p:nvGrpSpPr>
         <p:cNvPr id="1" name="">
           <a:extLst>
             <a:ext uri="{FF2B5EF4-FFF2-40B4-BE49-F238E27FC236}">
-              <a16:creationId xmlns:a16="http://schemas.microsoft.com/office/drawing/2014/main" id="{5917A358-1529-3612-E144-1496A1AC02CD}"/>
+              <a16:creationId xmlns:a16="http://schemas.microsoft.com/office/drawing/2014/main" id="{494DF025-51D7-535E-6BF2-9F4C2749E151}"/>
             </a:ext>
           </a:extLst>
         </p:cNvPr>
@@ -939,7 +848,7 @@
           <p:cNvPr id="2" name="Slide Image Placeholder 1">
             <a:extLst>
               <a:ext uri="{FF2B5EF4-FFF2-40B4-BE49-F238E27FC236}">
-                <a16:creationId xmlns:a16="http://schemas.microsoft.com/office/drawing/2014/main" id="{6A63D099-17E1-CFE1-0F72-C09ADC54116A}"/>
+                <a16:creationId xmlns:a16="http://schemas.microsoft.com/office/drawing/2014/main" id="{EA6EBF67-AE73-9F75-FC7A-A30F2EFECFF7}"/>
               </a:ext>
             </a:extLst>
           </p:cNvPr>
@@ -957,7 +866,7 @@
           <p:cNvPr id="3" name="Notes Placeholder 2">
             <a:extLst>
               <a:ext uri="{FF2B5EF4-FFF2-40B4-BE49-F238E27FC236}">
-                <a16:creationId xmlns:a16="http://schemas.microsoft.com/office/drawing/2014/main" id="{6AB917D3-CEC3-E45A-59D8-F372869094F3}"/>
+                <a16:creationId xmlns:a16="http://schemas.microsoft.com/office/drawing/2014/main" id="{293CE78E-7948-C1D2-D738-2E8B0EB635D0}"/>
               </a:ext>
             </a:extLst>
           </p:cNvPr>
@@ -982,7 +891,7 @@
           <p:cNvPr id="4" name="Slide Number Placeholder 3">
             <a:extLst>
               <a:ext uri="{FF2B5EF4-FFF2-40B4-BE49-F238E27FC236}">
-                <a16:creationId xmlns:a16="http://schemas.microsoft.com/office/drawing/2014/main" id="{320AA182-F55B-F960-CA9E-A1C49924C17B}"/>
+                <a16:creationId xmlns:a16="http://schemas.microsoft.com/office/drawing/2014/main" id="{49E7DB9A-00DE-31DA-AD49-066F61630047}"/>
               </a:ext>
             </a:extLst>
           </p:cNvPr>
@@ -1000,7 +909,7 @@
           <a:p>
             <a:fld id="{675ACFFD-4E7F-436E-B857-3414E8417E86}" type="slidenum">
               <a:rPr lang="en-US" smtClean="0"/>
-              <a:t>2</a:t>
+              <a:t>1</a:t>
             </a:fld>
             <a:endParaRPr lang="en-US" dirty="0"/>
           </a:p>
@@ -1009,7 +918,7 @@
     </p:spTree>
     <p:extLst>
       <p:ext uri="{BB962C8B-B14F-4D97-AF65-F5344CB8AC3E}">
-        <p14:creationId xmlns:p14="http://schemas.microsoft.com/office/powerpoint/2010/main" val="707426847"/>
+        <p14:creationId xmlns:p14="http://schemas.microsoft.com/office/powerpoint/2010/main" val="564174821"/>
       </p:ext>
     </p:extLst>
   </p:cSld>
@@ -1019,7 +928,7 @@
 </p:notes>
 </file>
 
-<file path=ppt/notesSlides/notesSlide3.xml><?xml version="1.0" encoding="utf-8"?>
+<file path=ppt/notesSlides/notesSlide2.xml><?xml version="1.0" encoding="utf-8"?>
 <p:notes xmlns:a="http://schemas.openxmlformats.org/drawingml/2006/main" xmlns:r="http://schemas.openxmlformats.org/officeDocument/2006/relationships" xmlns:p="http://schemas.openxmlformats.org/presentationml/2006/main">
   <p:cSld>
     <p:spTree>
@@ -1027,7 +936,7 @@
         <p:cNvPr id="1" name="">
           <a:extLst>
             <a:ext uri="{FF2B5EF4-FFF2-40B4-BE49-F238E27FC236}">
-              <a16:creationId xmlns:a16="http://schemas.microsoft.com/office/drawing/2014/main" id="{89D6D7D0-A0F9-A0C5-976D-46A04D86DAD0}"/>
+              <a16:creationId xmlns:a16="http://schemas.microsoft.com/office/drawing/2014/main" id="{A29774E7-D833-6C2B-BEDF-4AAAC07740F7}"/>
             </a:ext>
           </a:extLst>
         </p:cNvPr>
@@ -1047,7 +956,7 @@
           <p:cNvPr id="2" name="Slide Image Placeholder 1">
             <a:extLst>
               <a:ext uri="{FF2B5EF4-FFF2-40B4-BE49-F238E27FC236}">
-                <a16:creationId xmlns:a16="http://schemas.microsoft.com/office/drawing/2014/main" id="{1C04E2C2-B4E1-B8BB-2BFE-09A987BC2DAA}"/>
+                <a16:creationId xmlns:a16="http://schemas.microsoft.com/office/drawing/2014/main" id="{70740B8A-BE1C-B4E9-95B7-3E38DE9AAC9A}"/>
               </a:ext>
             </a:extLst>
           </p:cNvPr>
@@ -1065,7 +974,7 @@
           <p:cNvPr id="3" name="Notes Placeholder 2">
             <a:extLst>
               <a:ext uri="{FF2B5EF4-FFF2-40B4-BE49-F238E27FC236}">
-                <a16:creationId xmlns:a16="http://schemas.microsoft.com/office/drawing/2014/main" id="{310DA57A-6C2B-3AB2-7B99-359CD1092315}"/>
+                <a16:creationId xmlns:a16="http://schemas.microsoft.com/office/drawing/2014/main" id="{89C18053-9A8E-E2BC-2889-C6E8010E30A7}"/>
               </a:ext>
             </a:extLst>
           </p:cNvPr>
@@ -1090,7 +999,7 @@
           <p:cNvPr id="4" name="Slide Number Placeholder 3">
             <a:extLst>
               <a:ext uri="{FF2B5EF4-FFF2-40B4-BE49-F238E27FC236}">
-                <a16:creationId xmlns:a16="http://schemas.microsoft.com/office/drawing/2014/main" id="{6491B4CB-A713-F835-78AB-29D042BCE75C}"/>
+                <a16:creationId xmlns:a16="http://schemas.microsoft.com/office/drawing/2014/main" id="{8DE63172-A6FF-F55C-B6B7-81E293ADBADB}"/>
               </a:ext>
             </a:extLst>
           </p:cNvPr>
@@ -1108,7 +1017,7 @@
           <a:p>
             <a:fld id="{675ACFFD-4E7F-436E-B857-3414E8417E86}" type="slidenum">
               <a:rPr lang="en-US" smtClean="0"/>
-              <a:t>3</a:t>
+              <a:t>2</a:t>
             </a:fld>
             <a:endParaRPr lang="en-US" dirty="0"/>
           </a:p>
@@ -1117,7 +1026,331 @@
     </p:spTree>
     <p:extLst>
       <p:ext uri="{BB962C8B-B14F-4D97-AF65-F5344CB8AC3E}">
-        <p14:creationId xmlns:p14="http://schemas.microsoft.com/office/powerpoint/2010/main" val="3973323016"/>
+        <p14:creationId xmlns:p14="http://schemas.microsoft.com/office/powerpoint/2010/main" val="2389294760"/>
+      </p:ext>
+    </p:extLst>
+  </p:cSld>
+  <p:clrMapOvr>
+    <a:masterClrMapping/>
+  </p:clrMapOvr>
+</p:notes>
+</file>
+
+<file path=ppt/notesSlides/notesSlide3.xml><?xml version="1.0" encoding="utf-8"?>
+<p:notes xmlns:a="http://schemas.openxmlformats.org/drawingml/2006/main" xmlns:r="http://schemas.openxmlformats.org/officeDocument/2006/relationships" xmlns:p="http://schemas.openxmlformats.org/presentationml/2006/main">
+  <p:cSld>
+    <p:spTree>
+      <p:nvGrpSpPr>
+        <p:cNvPr id="1" name="">
+          <a:extLst>
+            <a:ext uri="{FF2B5EF4-FFF2-40B4-BE49-F238E27FC236}">
+              <a16:creationId xmlns:a16="http://schemas.microsoft.com/office/drawing/2014/main" id="{E62713F3-DAE9-9264-DF20-1B25A37D31F3}"/>
+            </a:ext>
+          </a:extLst>
+        </p:cNvPr>
+        <p:cNvGrpSpPr/>
+        <p:nvPr/>
+      </p:nvGrpSpPr>
+      <p:grpSpPr>
+        <a:xfrm>
+          <a:off x="0" y="0"/>
+          <a:ext cx="0" cy="0"/>
+          <a:chOff x="0" y="0"/>
+          <a:chExt cx="0" cy="0"/>
+        </a:xfrm>
+      </p:grpSpPr>
+      <p:sp>
+        <p:nvSpPr>
+          <p:cNvPr id="2" name="Slide Image Placeholder 1">
+            <a:extLst>
+              <a:ext uri="{FF2B5EF4-FFF2-40B4-BE49-F238E27FC236}">
+                <a16:creationId xmlns:a16="http://schemas.microsoft.com/office/drawing/2014/main" id="{02297CB6-309F-3E04-0A41-6E1185142D75}"/>
+              </a:ext>
+            </a:extLst>
+          </p:cNvPr>
+          <p:cNvSpPr>
+            <a:spLocks noGrp="1" noRot="1" noChangeAspect="1"/>
+          </p:cNvSpPr>
+          <p:nvPr>
+            <p:ph type="sldImg"/>
+          </p:nvPr>
+        </p:nvSpPr>
+        <p:spPr/>
+      </p:sp>
+      <p:sp>
+        <p:nvSpPr>
+          <p:cNvPr id="3" name="Notes Placeholder 2">
+            <a:extLst>
+              <a:ext uri="{FF2B5EF4-FFF2-40B4-BE49-F238E27FC236}">
+                <a16:creationId xmlns:a16="http://schemas.microsoft.com/office/drawing/2014/main" id="{53323904-F0C0-179B-CBC0-4E74A039D047}"/>
+              </a:ext>
+            </a:extLst>
+          </p:cNvPr>
+          <p:cNvSpPr>
+            <a:spLocks noGrp="1"/>
+          </p:cNvSpPr>
+          <p:nvPr>
+            <p:ph type="body" idx="1"/>
+          </p:nvPr>
+        </p:nvSpPr>
+        <p:spPr/>
+        <p:txBody>
+          <a:bodyPr/>
+          <a:lstStyle/>
+          <a:p>
+            <a:endParaRPr lang="en-US" dirty="0"/>
+          </a:p>
+        </p:txBody>
+      </p:sp>
+      <p:sp>
+        <p:nvSpPr>
+          <p:cNvPr id="4" name="Slide Number Placeholder 3">
+            <a:extLst>
+              <a:ext uri="{FF2B5EF4-FFF2-40B4-BE49-F238E27FC236}">
+                <a16:creationId xmlns:a16="http://schemas.microsoft.com/office/drawing/2014/main" id="{3DE3B142-09BF-02B3-F714-E1CEFE69A34F}"/>
+              </a:ext>
+            </a:extLst>
+          </p:cNvPr>
+          <p:cNvSpPr>
+            <a:spLocks noGrp="1"/>
+          </p:cNvSpPr>
+          <p:nvPr>
+            <p:ph type="sldNum" sz="quarter" idx="5"/>
+          </p:nvPr>
+        </p:nvSpPr>
+        <p:spPr/>
+        <p:txBody>
+          <a:bodyPr/>
+          <a:lstStyle/>
+          <a:p>
+            <a:fld id="{675ACFFD-4E7F-436E-B857-3414E8417E86}" type="slidenum">
+              <a:rPr lang="en-US" smtClean="0"/>
+              <a:t>3</a:t>
+            </a:fld>
+            <a:endParaRPr lang="en-US" dirty="0"/>
+          </a:p>
+        </p:txBody>
+      </p:sp>
+    </p:spTree>
+    <p:extLst>
+      <p:ext uri="{BB962C8B-B14F-4D97-AF65-F5344CB8AC3E}">
+        <p14:creationId xmlns:p14="http://schemas.microsoft.com/office/powerpoint/2010/main" val="125895058"/>
+      </p:ext>
+    </p:extLst>
+  </p:cSld>
+  <p:clrMapOvr>
+    <a:masterClrMapping/>
+  </p:clrMapOvr>
+</p:notes>
+</file>
+
+<file path=ppt/notesSlides/notesSlide4.xml><?xml version="1.0" encoding="utf-8"?>
+<p:notes xmlns:a="http://schemas.openxmlformats.org/drawingml/2006/main" xmlns:r="http://schemas.openxmlformats.org/officeDocument/2006/relationships" xmlns:p="http://schemas.openxmlformats.org/presentationml/2006/main">
+  <p:cSld>
+    <p:spTree>
+      <p:nvGrpSpPr>
+        <p:cNvPr id="1" name="">
+          <a:extLst>
+            <a:ext uri="{FF2B5EF4-FFF2-40B4-BE49-F238E27FC236}">
+              <a16:creationId xmlns:a16="http://schemas.microsoft.com/office/drawing/2014/main" id="{DC4EB3AE-076E-3DFC-22CA-9920D78A9456}"/>
+            </a:ext>
+          </a:extLst>
+        </p:cNvPr>
+        <p:cNvGrpSpPr/>
+        <p:nvPr/>
+      </p:nvGrpSpPr>
+      <p:grpSpPr>
+        <a:xfrm>
+          <a:off x="0" y="0"/>
+          <a:ext cx="0" cy="0"/>
+          <a:chOff x="0" y="0"/>
+          <a:chExt cx="0" cy="0"/>
+        </a:xfrm>
+      </p:grpSpPr>
+      <p:sp>
+        <p:nvSpPr>
+          <p:cNvPr id="2" name="Slide Image Placeholder 1">
+            <a:extLst>
+              <a:ext uri="{FF2B5EF4-FFF2-40B4-BE49-F238E27FC236}">
+                <a16:creationId xmlns:a16="http://schemas.microsoft.com/office/drawing/2014/main" id="{BAE8D111-DA72-1C80-B5BA-747B2E6241FF}"/>
+              </a:ext>
+            </a:extLst>
+          </p:cNvPr>
+          <p:cNvSpPr>
+            <a:spLocks noGrp="1" noRot="1" noChangeAspect="1"/>
+          </p:cNvSpPr>
+          <p:nvPr>
+            <p:ph type="sldImg"/>
+          </p:nvPr>
+        </p:nvSpPr>
+        <p:spPr/>
+      </p:sp>
+      <p:sp>
+        <p:nvSpPr>
+          <p:cNvPr id="3" name="Notes Placeholder 2">
+            <a:extLst>
+              <a:ext uri="{FF2B5EF4-FFF2-40B4-BE49-F238E27FC236}">
+                <a16:creationId xmlns:a16="http://schemas.microsoft.com/office/drawing/2014/main" id="{090A4724-8FD0-09FD-B7CB-13A3D0008363}"/>
+              </a:ext>
+            </a:extLst>
+          </p:cNvPr>
+          <p:cNvSpPr>
+            <a:spLocks noGrp="1"/>
+          </p:cNvSpPr>
+          <p:nvPr>
+            <p:ph type="body" idx="1"/>
+          </p:nvPr>
+        </p:nvSpPr>
+        <p:spPr/>
+        <p:txBody>
+          <a:bodyPr/>
+          <a:lstStyle/>
+          <a:p>
+            <a:endParaRPr lang="en-US" dirty="0"/>
+          </a:p>
+        </p:txBody>
+      </p:sp>
+      <p:sp>
+        <p:nvSpPr>
+          <p:cNvPr id="4" name="Slide Number Placeholder 3">
+            <a:extLst>
+              <a:ext uri="{FF2B5EF4-FFF2-40B4-BE49-F238E27FC236}">
+                <a16:creationId xmlns:a16="http://schemas.microsoft.com/office/drawing/2014/main" id="{16328001-E649-FB82-D9E0-7D26B1EC3E72}"/>
+              </a:ext>
+            </a:extLst>
+          </p:cNvPr>
+          <p:cNvSpPr>
+            <a:spLocks noGrp="1"/>
+          </p:cNvSpPr>
+          <p:nvPr>
+            <p:ph type="sldNum" sz="quarter" idx="5"/>
+          </p:nvPr>
+        </p:nvSpPr>
+        <p:spPr/>
+        <p:txBody>
+          <a:bodyPr/>
+          <a:lstStyle/>
+          <a:p>
+            <a:fld id="{675ACFFD-4E7F-436E-B857-3414E8417E86}" type="slidenum">
+              <a:rPr lang="en-US" smtClean="0"/>
+              <a:t>4</a:t>
+            </a:fld>
+            <a:endParaRPr lang="en-US" dirty="0"/>
+          </a:p>
+        </p:txBody>
+      </p:sp>
+    </p:spTree>
+    <p:extLst>
+      <p:ext uri="{BB962C8B-B14F-4D97-AF65-F5344CB8AC3E}">
+        <p14:creationId xmlns:p14="http://schemas.microsoft.com/office/powerpoint/2010/main" val="4289041349"/>
+      </p:ext>
+    </p:extLst>
+  </p:cSld>
+  <p:clrMapOvr>
+    <a:masterClrMapping/>
+  </p:clrMapOvr>
+</p:notes>
+</file>
+
+<file path=ppt/notesSlides/notesSlide5.xml><?xml version="1.0" encoding="utf-8"?>
+<p:notes xmlns:a="http://schemas.openxmlformats.org/drawingml/2006/main" xmlns:r="http://schemas.openxmlformats.org/officeDocument/2006/relationships" xmlns:p="http://schemas.openxmlformats.org/presentationml/2006/main">
+  <p:cSld>
+    <p:spTree>
+      <p:nvGrpSpPr>
+        <p:cNvPr id="1" name="">
+          <a:extLst>
+            <a:ext uri="{FF2B5EF4-FFF2-40B4-BE49-F238E27FC236}">
+              <a16:creationId xmlns:a16="http://schemas.microsoft.com/office/drawing/2014/main" id="{07098F04-3540-A145-F002-934A600D604F}"/>
+            </a:ext>
+          </a:extLst>
+        </p:cNvPr>
+        <p:cNvGrpSpPr/>
+        <p:nvPr/>
+      </p:nvGrpSpPr>
+      <p:grpSpPr>
+        <a:xfrm>
+          <a:off x="0" y="0"/>
+          <a:ext cx="0" cy="0"/>
+          <a:chOff x="0" y="0"/>
+          <a:chExt cx="0" cy="0"/>
+        </a:xfrm>
+      </p:grpSpPr>
+      <p:sp>
+        <p:nvSpPr>
+          <p:cNvPr id="2" name="Slide Image Placeholder 1">
+            <a:extLst>
+              <a:ext uri="{FF2B5EF4-FFF2-40B4-BE49-F238E27FC236}">
+                <a16:creationId xmlns:a16="http://schemas.microsoft.com/office/drawing/2014/main" id="{03B27FBD-1546-2ED1-9164-846294B71350}"/>
+              </a:ext>
+            </a:extLst>
+          </p:cNvPr>
+          <p:cNvSpPr>
+            <a:spLocks noGrp="1" noRot="1" noChangeAspect="1"/>
+          </p:cNvSpPr>
+          <p:nvPr>
+            <p:ph type="sldImg"/>
+          </p:nvPr>
+        </p:nvSpPr>
+        <p:spPr/>
+      </p:sp>
+      <p:sp>
+        <p:nvSpPr>
+          <p:cNvPr id="3" name="Notes Placeholder 2">
+            <a:extLst>
+              <a:ext uri="{FF2B5EF4-FFF2-40B4-BE49-F238E27FC236}">
+                <a16:creationId xmlns:a16="http://schemas.microsoft.com/office/drawing/2014/main" id="{FC61AB15-B704-215C-44F5-69D19F4234AF}"/>
+              </a:ext>
+            </a:extLst>
+          </p:cNvPr>
+          <p:cNvSpPr>
+            <a:spLocks noGrp="1"/>
+          </p:cNvSpPr>
+          <p:nvPr>
+            <p:ph type="body" idx="1"/>
+          </p:nvPr>
+        </p:nvSpPr>
+        <p:spPr/>
+        <p:txBody>
+          <a:bodyPr/>
+          <a:lstStyle/>
+          <a:p>
+            <a:endParaRPr lang="en-US" dirty="0"/>
+          </a:p>
+        </p:txBody>
+      </p:sp>
+      <p:sp>
+        <p:nvSpPr>
+          <p:cNvPr id="4" name="Slide Number Placeholder 3">
+            <a:extLst>
+              <a:ext uri="{FF2B5EF4-FFF2-40B4-BE49-F238E27FC236}">
+                <a16:creationId xmlns:a16="http://schemas.microsoft.com/office/drawing/2014/main" id="{61FB6363-56B8-5EDE-DEBF-7DB23326FBD7}"/>
+              </a:ext>
+            </a:extLst>
+          </p:cNvPr>
+          <p:cNvSpPr>
+            <a:spLocks noGrp="1"/>
+          </p:cNvSpPr>
+          <p:nvPr>
+            <p:ph type="sldNum" sz="quarter" idx="5"/>
+          </p:nvPr>
+        </p:nvSpPr>
+        <p:spPr/>
+        <p:txBody>
+          <a:bodyPr/>
+          <a:lstStyle/>
+          <a:p>
+            <a:fld id="{675ACFFD-4E7F-436E-B857-3414E8417E86}" type="slidenum">
+              <a:rPr lang="en-US" smtClean="0"/>
+              <a:t>5</a:t>
+            </a:fld>
+            <a:endParaRPr lang="en-US" dirty="0"/>
+          </a:p>
+        </p:txBody>
+      </p:sp>
+    </p:spTree>
+    <p:extLst>
+      <p:ext uri="{BB962C8B-B14F-4D97-AF65-F5344CB8AC3E}">
+        <p14:creationId xmlns:p14="http://schemas.microsoft.com/office/powerpoint/2010/main" val="1891820098"/>
       </p:ext>
     </p:extLst>
   </p:cSld>
@@ -1144,89 +1377,6 @@
           <a:chExt cx="0" cy="0"/>
         </a:xfrm>
       </p:grpSpPr>
-      <p:sp>
-        <p:nvSpPr>
-          <p:cNvPr id="6" name="Slide Number Placeholder 5"/>
-          <p:cNvSpPr>
-            <a:spLocks noGrp="1"/>
-          </p:cNvSpPr>
-          <p:nvPr>
-            <p:ph type="sldNum" sz="quarter" idx="12"/>
-          </p:nvPr>
-        </p:nvSpPr>
-        <p:spPr/>
-        <p:txBody>
-          <a:bodyPr/>
-          <a:lstStyle/>
-          <a:p>
-            <a:pPr marL="0" marR="0" lvl="0" indent="0" algn="r" defTabSz="914355" rtl="0" eaLnBrk="1" fontAlgn="auto" latinLnBrk="0" hangingPunct="1">
-              <a:lnSpc>
-                <a:spcPct val="100000"/>
-              </a:lnSpc>
-              <a:spcBef>
-                <a:spcPts val="0"/>
-              </a:spcBef>
-              <a:spcAft>
-                <a:spcPts val="0"/>
-              </a:spcAft>
-              <a:buClrTx/>
-              <a:buSzTx/>
-              <a:buFontTx/>
-              <a:buNone/>
-              <a:tabLst/>
-              <a:defRPr/>
-            </a:pPr>
-            <a:fld id="{91D568E7-61F5-D04E-995D-81EF41C01A2A}" type="slidenum">
-              <a:rPr kumimoji="0" lang="en-GB" sz="1100" b="0" i="0" u="none" strike="noStrike" kern="1200" cap="none" spc="0" normalizeH="0" baseline="0" noProof="0" smtClean="0">
-                <a:ln>
-                  <a:noFill/>
-                </a:ln>
-                <a:solidFill>
-                  <a:srgbClr val="585858"/>
-                </a:solidFill>
-                <a:effectLst/>
-                <a:uLnTx/>
-                <a:uFillTx/>
-                <a:latin typeface="Calibri Light"/>
-                <a:ea typeface="+mn-ea"/>
-                <a:cs typeface="+mn-cs"/>
-              </a:rPr>
-              <a:pPr marL="0" marR="0" lvl="0" indent="0" algn="r" defTabSz="914355" rtl="0" eaLnBrk="1" fontAlgn="auto" latinLnBrk="0" hangingPunct="1">
-                <a:lnSpc>
-                  <a:spcPct val="100000"/>
-                </a:lnSpc>
-                <a:spcBef>
-                  <a:spcPts val="0"/>
-                </a:spcBef>
-                <a:spcAft>
-                  <a:spcPts val="0"/>
-                </a:spcAft>
-                <a:buClrTx/>
-                <a:buSzTx/>
-                <a:buFontTx/>
-                <a:buNone/>
-                <a:tabLst/>
-                <a:defRPr/>
-              </a:pPr>
-              <a:t>‹#›</a:t>
-            </a:fld>
-            <a:endParaRPr kumimoji="0" lang="en-GB" sz="1100" b="0" i="0" u="none" strike="noStrike" kern="1200" cap="none" spc="0" normalizeH="0" baseline="0" noProof="0" dirty="0">
-              <a:ln>
-                <a:noFill/>
-              </a:ln>
-              <a:solidFill>
-                <a:srgbClr val="585858"/>
-              </a:solidFill>
-              <a:effectLst/>
-              <a:uLnTx/>
-              <a:uFillTx/>
-              <a:latin typeface="Calibri Light"/>
-              <a:ea typeface="+mn-ea"/>
-              <a:cs typeface="+mn-cs"/>
-            </a:endParaRPr>
-          </a:p>
-        </p:txBody>
-      </p:sp>
       <p:sp>
         <p:nvSpPr>
           <p:cNvPr id="16" name="Text Placeholder 3">
@@ -1335,35 +1485,35 @@
           <a:p>
             <a:pPr lvl="0"/>
             <a:r>
-              <a:rPr lang="en-GB"/>
+              <a:rPr lang="en-GB" dirty="0"/>
               <a:t>Click to edit master text styles</a:t>
             </a:r>
           </a:p>
           <a:p>
             <a:pPr lvl="1"/>
             <a:r>
-              <a:rPr lang="en-GB"/>
+              <a:rPr lang="en-GB" dirty="0"/>
               <a:t>Second level</a:t>
             </a:r>
           </a:p>
           <a:p>
             <a:pPr lvl="2"/>
             <a:r>
-              <a:rPr lang="en-GB"/>
+              <a:rPr lang="en-GB" dirty="0"/>
               <a:t>Third level</a:t>
             </a:r>
           </a:p>
           <a:p>
             <a:pPr lvl="3"/>
             <a:r>
-              <a:rPr lang="en-GB"/>
+              <a:rPr lang="en-GB" dirty="0"/>
               <a:t>Fourth level</a:t>
             </a:r>
           </a:p>
           <a:p>
             <a:pPr lvl="4"/>
             <a:r>
-              <a:rPr lang="en-GB"/>
+              <a:rPr lang="en-GB" dirty="0"/>
               <a:t>Fifth level</a:t>
             </a:r>
           </a:p>
@@ -1466,107 +1616,6 @@
       </p:graphicFrame>
       <p:sp>
         <p:nvSpPr>
-          <p:cNvPr id="6" name="Slide Number Placeholder 5"/>
-          <p:cNvSpPr>
-            <a:spLocks noGrp="1"/>
-          </p:cNvSpPr>
-          <p:nvPr>
-            <p:ph type="sldNum" sz="quarter" idx="4"/>
-          </p:nvPr>
-        </p:nvSpPr>
-        <p:spPr>
-          <a:xfrm>
-            <a:off x="11467389" y="6387728"/>
-            <a:ext cx="245186" cy="169277"/>
-          </a:xfrm>
-          <a:prstGeom prst="rect">
-            <a:avLst/>
-          </a:prstGeom>
-        </p:spPr>
-        <p:txBody>
-          <a:bodyPr vert="horz" wrap="square" lIns="0" tIns="0" rIns="0" bIns="0" rtlCol="0" anchor="ctr">
-            <a:spAutoFit/>
-          </a:bodyPr>
-          <a:lstStyle>
-            <a:lvl1pPr algn="r">
-              <a:defRPr sz="1100">
-                <a:solidFill>
-                  <a:schemeClr val="tx1"/>
-                </a:solidFill>
-              </a:defRPr>
-            </a:lvl1pPr>
-          </a:lstStyle>
-          <a:p>
-            <a:pPr marL="0" marR="0" lvl="0" indent="0" algn="r" defTabSz="914355" rtl="0" eaLnBrk="1" fontAlgn="auto" latinLnBrk="0" hangingPunct="1">
-              <a:lnSpc>
-                <a:spcPct val="100000"/>
-              </a:lnSpc>
-              <a:spcBef>
-                <a:spcPts val="0"/>
-              </a:spcBef>
-              <a:spcAft>
-                <a:spcPts val="0"/>
-              </a:spcAft>
-              <a:buClrTx/>
-              <a:buSzTx/>
-              <a:buFontTx/>
-              <a:buNone/>
-              <a:tabLst/>
-              <a:defRPr/>
-            </a:pPr>
-            <a:fld id="{91D568E7-61F5-D04E-995D-81EF41C01A2A}" type="slidenum">
-              <a:rPr kumimoji="0" lang="en-GB" sz="1100" b="0" i="0" u="none" strike="noStrike" kern="1200" cap="none" spc="0" normalizeH="0" baseline="0" noProof="0" smtClean="0">
-                <a:ln>
-                  <a:noFill/>
-                </a:ln>
-                <a:solidFill>
-                  <a:srgbClr val="585858"/>
-                </a:solidFill>
-                <a:effectLst/>
-                <a:uLnTx/>
-                <a:uFillTx/>
-                <a:latin typeface="Calibri Light"/>
-                <a:ea typeface="+mn-ea"/>
-                <a:cs typeface="+mn-cs"/>
-              </a:rPr>
-              <a:pPr marL="0" marR="0" lvl="0" indent="0" algn="r" defTabSz="914355" rtl="0" eaLnBrk="1" fontAlgn="auto" latinLnBrk="0" hangingPunct="1">
-                <a:lnSpc>
-                  <a:spcPct val="100000"/>
-                </a:lnSpc>
-                <a:spcBef>
-                  <a:spcPts val="0"/>
-                </a:spcBef>
-                <a:spcAft>
-                  <a:spcPts val="0"/>
-                </a:spcAft>
-                <a:buClrTx/>
-                <a:buSzTx/>
-                <a:buFontTx/>
-                <a:buNone/>
-                <a:tabLst/>
-                <a:defRPr/>
-              </a:pPr>
-              <a:t>‹#›</a:t>
-            </a:fld>
-            <a:endParaRPr kumimoji="0" lang="en-GB" sz="1100" b="0" i="0" u="none" strike="noStrike" kern="1200" cap="none" spc="0" normalizeH="0" baseline="0" noProof="0" dirty="0">
-              <a:ln>
-                <a:noFill/>
-              </a:ln>
-              <a:solidFill>
-                <a:srgbClr val="585858"/>
-              </a:solidFill>
-              <a:effectLst/>
-              <a:uLnTx/>
-              <a:uFillTx/>
-              <a:latin typeface="Calibri Light"/>
-              <a:ea typeface="+mn-ea"/>
-              <a:cs typeface="+mn-cs"/>
-            </a:endParaRPr>
-          </a:p>
-        </p:txBody>
-      </p:sp>
-      <p:sp>
-        <p:nvSpPr>
           <p:cNvPr id="74" name="Text Placeholder 73">
             <a:extLst>
               <a:ext uri="{FF2B5EF4-FFF2-40B4-BE49-F238E27FC236}">
@@ -1598,146 +1647,68 @@
           <a:p>
             <a:pPr lvl="0"/>
             <a:r>
-              <a:rPr lang="en-GB"/>
+              <a:rPr lang="en-GB" dirty="0"/>
               <a:t>Click to edit master text styles</a:t>
             </a:r>
           </a:p>
           <a:p>
             <a:pPr lvl="1"/>
             <a:r>
-              <a:rPr lang="en-GB"/>
+              <a:rPr lang="en-GB" dirty="0"/>
               <a:t>Second level</a:t>
             </a:r>
           </a:p>
           <a:p>
             <a:pPr lvl="2"/>
             <a:r>
-              <a:rPr lang="en-GB"/>
+              <a:rPr lang="en-GB" dirty="0"/>
               <a:t>Third level</a:t>
             </a:r>
           </a:p>
           <a:p>
             <a:pPr lvl="3"/>
             <a:r>
-              <a:rPr lang="en-GB"/>
+              <a:rPr lang="en-GB" dirty="0"/>
               <a:t>Fourth level</a:t>
             </a:r>
           </a:p>
           <a:p>
             <a:pPr lvl="4"/>
             <a:r>
-              <a:rPr lang="en-GB"/>
+              <a:rPr lang="en-GB" dirty="0"/>
               <a:t>Fifth level</a:t>
             </a:r>
           </a:p>
           <a:p>
             <a:pPr lvl="5"/>
             <a:r>
-              <a:rPr lang="en-GB"/>
+              <a:rPr lang="en-GB" dirty="0"/>
               <a:t>Sixth level</a:t>
             </a:r>
           </a:p>
           <a:p>
             <a:pPr lvl="6"/>
             <a:r>
-              <a:rPr lang="en-GB"/>
+              <a:rPr lang="en-GB" dirty="0"/>
               <a:t>Seventh level</a:t>
             </a:r>
           </a:p>
           <a:p>
             <a:pPr lvl="7"/>
             <a:r>
-              <a:rPr lang="en-GB"/>
+              <a:rPr lang="en-GB" dirty="0"/>
               <a:t>Eighth level</a:t>
             </a:r>
           </a:p>
           <a:p>
             <a:pPr lvl="8"/>
             <a:r>
-              <a:rPr lang="en-GB"/>
+              <a:rPr lang="en-GB" dirty="0"/>
               <a:t>Ninth level</a:t>
             </a:r>
           </a:p>
         </p:txBody>
       </p:sp>
-      <p:pic>
-        <p:nvPicPr>
-          <p:cNvPr id="80" name="Graphic 79">
-            <a:extLst>
-              <a:ext uri="{FF2B5EF4-FFF2-40B4-BE49-F238E27FC236}">
-                <a16:creationId xmlns:a16="http://schemas.microsoft.com/office/drawing/2014/main" id="{C3E711B9-74EC-194C-8ED4-6F3049C21AFE}"/>
-              </a:ext>
-            </a:extLst>
-          </p:cNvPr>
-          <p:cNvPicPr>
-            <a:picLocks noChangeAspect="1"/>
-          </p:cNvPicPr>
-          <p:nvPr userDrawn="1"/>
-        </p:nvPicPr>
-        <p:blipFill rotWithShape="1">
-          <a:blip r:embed="rId6">
-            <a:extLst>
-              <a:ext uri="{96DAC541-7B7A-43D3-8B79-37D633B846F1}">
-                <asvg:svgBlip xmlns:asvg="http://schemas.microsoft.com/office/drawing/2016/SVG/main" r:embed="rId7"/>
-              </a:ext>
-            </a:extLst>
-          </a:blip>
-          <a:srcRect b="28803"/>
-          <a:stretch/>
-        </p:blipFill>
-        <p:spPr>
-          <a:xfrm>
-            <a:off x="479311" y="6314008"/>
-            <a:ext cx="938942" cy="247251"/>
-          </a:xfrm>
-          <a:prstGeom prst="rect">
-            <a:avLst/>
-          </a:prstGeom>
-        </p:spPr>
-      </p:pic>
-      <p:cxnSp>
-        <p:nvCxnSpPr>
-          <p:cNvPr id="4" name="Straight Connector 3">
-            <a:extLst>
-              <a:ext uri="{FF2B5EF4-FFF2-40B4-BE49-F238E27FC236}">
-                <a16:creationId xmlns:a16="http://schemas.microsoft.com/office/drawing/2014/main" id="{6777DD1A-28DA-9F41-BB93-9F79CF31FA20}"/>
-              </a:ext>
-            </a:extLst>
-          </p:cNvPr>
-          <p:cNvCxnSpPr>
-            <a:cxnSpLocks/>
-          </p:cNvCxnSpPr>
-          <p:nvPr userDrawn="1"/>
-        </p:nvCxnSpPr>
-        <p:spPr>
-          <a:xfrm>
-            <a:off x="11462024" y="6360469"/>
-            <a:ext cx="0" cy="223794"/>
-          </a:xfrm>
-          <a:prstGeom prst="line">
-            <a:avLst/>
-          </a:prstGeom>
-          <a:ln w="15875">
-            <a:solidFill>
-              <a:schemeClr val="accent2"/>
-            </a:solidFill>
-          </a:ln>
-        </p:spPr>
-        <p:style>
-          <a:lnRef idx="1">
-            <a:schemeClr val="accent1"/>
-          </a:lnRef>
-          <a:fillRef idx="0">
-            <a:schemeClr val="accent1"/>
-          </a:fillRef>
-          <a:effectRef idx="0">
-            <a:schemeClr val="accent1"/>
-          </a:effectRef>
-          <a:fontRef idx="minor">
-            <a:schemeClr val="tx1"/>
-          </a:fontRef>
-        </p:style>
-      </p:cxnSp>
     </p:spTree>
     <p:extLst>
       <p:ext uri="{BB962C8B-B14F-4D97-AF65-F5344CB8AC3E}">
@@ -2204,7 +2175,13 @@
   <p:cSld>
     <p:spTree>
       <p:nvGrpSpPr>
-        <p:cNvPr id="1" name=""/>
+        <p:cNvPr id="1" name="">
+          <a:extLst>
+            <a:ext uri="{FF2B5EF4-FFF2-40B4-BE49-F238E27FC236}">
+              <a16:creationId xmlns:a16="http://schemas.microsoft.com/office/drawing/2014/main" id="{5A326AD4-48FC-BE72-E35A-4388EE47AFC5}"/>
+            </a:ext>
+          </a:extLst>
+        </p:cNvPr>
         <p:cNvGrpSpPr/>
         <p:nvPr/>
       </p:nvGrpSpPr>
@@ -2221,7 +2198,7 @@
           <p:cNvPr id="3" name="Slide Number Placeholder 2">
             <a:extLst>
               <a:ext uri="{FF2B5EF4-FFF2-40B4-BE49-F238E27FC236}">
-                <a16:creationId xmlns:a16="http://schemas.microsoft.com/office/drawing/2014/main" id="{E1F5FD94-0039-4142-B892-29826466D7CD}"/>
+                <a16:creationId xmlns:a16="http://schemas.microsoft.com/office/drawing/2014/main" id="{9AF662E7-A67E-7FA1-7E4D-8DB9CE8724B0}"/>
               </a:ext>
             </a:extLst>
           </p:cNvPr>
@@ -2229,10 +2206,18 @@
             <a:spLocks noGrp="1"/>
           </p:cNvSpPr>
           <p:nvPr>
-            <p:ph type="sldNum" sz="quarter" idx="12"/>
+            <p:ph type="sldNum" sz="quarter" idx="4294967295"/>
           </p:nvPr>
         </p:nvSpPr>
-        <p:spPr/>
+        <p:spPr>
+          <a:xfrm>
+            <a:off x="11467389" y="6387728"/>
+            <a:ext cx="245186" cy="169277"/>
+          </a:xfrm>
+          <a:prstGeom prst="rect">
+            <a:avLst/>
+          </a:prstGeom>
+        </p:spPr>
         <p:txBody>
           <a:bodyPr/>
           <a:lstStyle/>
@@ -2310,7 +2295,7 @@
           <p:cNvPr id="5" name="Rectangle 4">
             <a:extLst>
               <a:ext uri="{FF2B5EF4-FFF2-40B4-BE49-F238E27FC236}">
-                <a16:creationId xmlns:a16="http://schemas.microsoft.com/office/drawing/2014/main" id="{66A9249C-4521-4D9B-8355-E2B21B673F8F}"/>
+                <a16:creationId xmlns:a16="http://schemas.microsoft.com/office/drawing/2014/main" id="{1B82C69A-261D-048D-21B5-AFB78A9F1A01}"/>
               </a:ext>
             </a:extLst>
           </p:cNvPr>
@@ -2326,7 +2311,7 @@
             <a:avLst/>
           </a:prstGeom>
           <a:solidFill>
-            <a:schemeClr val="accent2"/>
+            <a:schemeClr val="accent3"/>
           </a:solidFill>
           <a:ln>
             <a:noFill/>
@@ -2394,7 +2379,7 @@
           <p:cNvPr id="7" name="Rectangle 6">
             <a:extLst>
               <a:ext uri="{FF2B5EF4-FFF2-40B4-BE49-F238E27FC236}">
-                <a16:creationId xmlns:a16="http://schemas.microsoft.com/office/drawing/2014/main" id="{17BDD4E3-C6E3-4722-8C35-6A84ED493E08}"/>
+                <a16:creationId xmlns:a16="http://schemas.microsoft.com/office/drawing/2014/main" id="{963BDD7B-7EC0-75F2-0E94-1624A4B5F4D9}"/>
               </a:ext>
             </a:extLst>
           </p:cNvPr>
@@ -2451,6 +2436,9 @@
                 <a:ln>
                   <a:noFill/>
                 </a:ln>
+                <a:solidFill>
+                  <a:sysClr val="windowText" lastClr="000000"/>
+                </a:solidFill>
                 <a:effectLst/>
                 <a:uLnTx/>
                 <a:uFillTx/>
@@ -2464,6 +2452,9 @@
               <a:ln>
                 <a:noFill/>
               </a:ln>
+              <a:solidFill>
+                <a:sysClr val="windowText" lastClr="000000"/>
+              </a:solidFill>
               <a:effectLst/>
               <a:uLnTx/>
               <a:uFillTx/>
@@ -2479,7 +2470,7 @@
           <p:cNvPr id="8" name="Rectangle 7">
             <a:extLst>
               <a:ext uri="{FF2B5EF4-FFF2-40B4-BE49-F238E27FC236}">
-                <a16:creationId xmlns:a16="http://schemas.microsoft.com/office/drawing/2014/main" id="{20F793C3-477E-4B08-9C88-7B195F3EA759}"/>
+                <a16:creationId xmlns:a16="http://schemas.microsoft.com/office/drawing/2014/main" id="{116F4166-2AC0-DDC3-309B-189FC27D6E74}"/>
               </a:ext>
             </a:extLst>
           </p:cNvPr>
@@ -2495,7 +2486,7 @@
             <a:avLst/>
           </a:prstGeom>
           <a:solidFill>
-            <a:schemeClr val="accent2"/>
+            <a:schemeClr val="tx1"/>
           </a:solidFill>
           <a:ln w="12700">
             <a:noFill/>
@@ -2542,8 +2533,9 @@
                 <a:effectLst/>
                 <a:uLnTx/>
                 <a:uFillTx/>
-                <a:latin typeface="Calibri" panose="020F0502020204030204" pitchFamily="34" charset="0"/>
-                <a:cs typeface="Calibri" panose="020F0502020204030204" pitchFamily="34" charset="0"/>
+                <a:latin typeface="Source Sans Pro"/>
+                <a:ea typeface="+mn-ea"/>
+                <a:cs typeface="+mn-cs"/>
               </a:rPr>
               <a:t>Journey_phase</a:t>
             </a:r>
@@ -2557,18 +2549,19 @@
               <a:effectLst/>
               <a:uLnTx/>
               <a:uFillTx/>
-              <a:latin typeface="Calibri" panose="020F0502020204030204" pitchFamily="34" charset="0"/>
-              <a:cs typeface="Calibri" panose="020F0502020204030204" pitchFamily="34" charset="0"/>
+              <a:latin typeface="Source Sans Pro"/>
+              <a:ea typeface="+mn-ea"/>
+              <a:cs typeface="+mn-cs"/>
             </a:endParaRPr>
           </a:p>
         </p:txBody>
       </p:sp>
       <p:sp>
         <p:nvSpPr>
-          <p:cNvPr id="9" name="Title 1">
+          <p:cNvPr id="6" name="Title 1">
             <a:extLst>
               <a:ext uri="{FF2B5EF4-FFF2-40B4-BE49-F238E27FC236}">
-                <a16:creationId xmlns:a16="http://schemas.microsoft.com/office/drawing/2014/main" id="{F2ACCEAC-0929-23F7-BD4E-88081EE9522C}"/>
+                <a16:creationId xmlns:a16="http://schemas.microsoft.com/office/drawing/2014/main" id="{60A092F6-588B-EF36-260C-4D730899F48F}"/>
               </a:ext>
             </a:extLst>
           </p:cNvPr>
@@ -2581,7 +2574,7 @@
         </p:nvSpPr>
         <p:spPr>
           <a:xfrm>
-            <a:off x="489699" y="70711"/>
+            <a:off x="489699" y="130086"/>
             <a:ext cx="11607800" cy="358951"/>
           </a:xfrm>
           <a:prstGeom prst="rect">
@@ -2593,17 +2586,25 @@
           <a:lstStyle/>
           <a:p>
             <a:r>
-              <a:rPr lang="en-US" dirty="0" err="1"/>
+              <a:rPr lang="en-US" sz="2800" dirty="0" err="1">
+                <a:solidFill>
+                  <a:srgbClr val="FF0000"/>
+                </a:solidFill>
+              </a:rPr>
               <a:t>Slide_title</a:t>
             </a:r>
-            <a:endParaRPr lang="en-US" dirty="0"/>
+            <a:endParaRPr lang="en-US" sz="2800" dirty="0">
+              <a:solidFill>
+                <a:srgbClr val="FF0000"/>
+              </a:solidFill>
+            </a:endParaRPr>
           </a:p>
         </p:txBody>
       </p:sp>
     </p:spTree>
     <p:extLst>
       <p:ext uri="{BB962C8B-B14F-4D97-AF65-F5344CB8AC3E}">
-        <p14:creationId xmlns:p14="http://schemas.microsoft.com/office/powerpoint/2010/main" val="2955747281"/>
+        <p14:creationId xmlns:p14="http://schemas.microsoft.com/office/powerpoint/2010/main" val="2885851057"/>
       </p:ext>
     </p:extLst>
   </p:cSld>
@@ -2621,7 +2622,7 @@
         <p:cNvPr id="1" name="">
           <a:extLst>
             <a:ext uri="{FF2B5EF4-FFF2-40B4-BE49-F238E27FC236}">
-              <a16:creationId xmlns:a16="http://schemas.microsoft.com/office/drawing/2014/main" id="{EE86E8A9-5EAE-CE61-59F2-38449E0DE49B}"/>
+              <a16:creationId xmlns:a16="http://schemas.microsoft.com/office/drawing/2014/main" id="{9AA0956C-2A2F-E28B-3E1C-6AE3849D3225}"/>
             </a:ext>
           </a:extLst>
         </p:cNvPr>
@@ -2641,7 +2642,7 @@
           <p:cNvPr id="3" name="Slide Number Placeholder 2">
             <a:extLst>
               <a:ext uri="{FF2B5EF4-FFF2-40B4-BE49-F238E27FC236}">
-                <a16:creationId xmlns:a16="http://schemas.microsoft.com/office/drawing/2014/main" id="{3EC63C91-4DF7-ED03-A74B-67989725C6EA}"/>
+                <a16:creationId xmlns:a16="http://schemas.microsoft.com/office/drawing/2014/main" id="{9A5916D8-78FE-E920-F890-5415FDB7C4BE}"/>
               </a:ext>
             </a:extLst>
           </p:cNvPr>
@@ -2649,10 +2650,18 @@
             <a:spLocks noGrp="1"/>
           </p:cNvSpPr>
           <p:nvPr>
-            <p:ph type="sldNum" sz="quarter" idx="12"/>
+            <p:ph type="sldNum" sz="quarter" idx="4294967295"/>
           </p:nvPr>
         </p:nvSpPr>
-        <p:spPr/>
+        <p:spPr>
+          <a:xfrm>
+            <a:off x="11467389" y="6387728"/>
+            <a:ext cx="245186" cy="169277"/>
+          </a:xfrm>
+          <a:prstGeom prst="rect">
+            <a:avLst/>
+          </a:prstGeom>
+        </p:spPr>
         <p:txBody>
           <a:bodyPr/>
           <a:lstStyle/>
@@ -2730,7 +2739,7 @@
           <p:cNvPr id="5" name="Rectangle 4">
             <a:extLst>
               <a:ext uri="{FF2B5EF4-FFF2-40B4-BE49-F238E27FC236}">
-                <a16:creationId xmlns:a16="http://schemas.microsoft.com/office/drawing/2014/main" id="{87FA833F-3794-D7F2-EF72-5845BBB0000D}"/>
+                <a16:creationId xmlns:a16="http://schemas.microsoft.com/office/drawing/2014/main" id="{5AC218BF-2019-D810-DA87-8BAFA018F6AE}"/>
               </a:ext>
             </a:extLst>
           </p:cNvPr>
@@ -2746,7 +2755,7 @@
             <a:avLst/>
           </a:prstGeom>
           <a:solidFill>
-            <a:schemeClr val="accent2"/>
+            <a:schemeClr val="accent3"/>
           </a:solidFill>
           <a:ln>
             <a:noFill/>
@@ -2814,7 +2823,7 @@
           <p:cNvPr id="7" name="Rectangle 6">
             <a:extLst>
               <a:ext uri="{FF2B5EF4-FFF2-40B4-BE49-F238E27FC236}">
-                <a16:creationId xmlns:a16="http://schemas.microsoft.com/office/drawing/2014/main" id="{24B87C40-023A-0A76-B6FE-73DB6C02223E}"/>
+                <a16:creationId xmlns:a16="http://schemas.microsoft.com/office/drawing/2014/main" id="{44D7BA45-6C4A-D9E9-B82F-1B7EDC023501}"/>
               </a:ext>
             </a:extLst>
           </p:cNvPr>
@@ -2905,7 +2914,7 @@
           <p:cNvPr id="8" name="Rectangle 7">
             <a:extLst>
               <a:ext uri="{FF2B5EF4-FFF2-40B4-BE49-F238E27FC236}">
-                <a16:creationId xmlns:a16="http://schemas.microsoft.com/office/drawing/2014/main" id="{7EB2D4EA-91FF-B404-BDD3-93F9F34F2EE3}"/>
+                <a16:creationId xmlns:a16="http://schemas.microsoft.com/office/drawing/2014/main" id="{C814FE6D-4639-A3E7-4243-8844197B1E57}"/>
               </a:ext>
             </a:extLst>
           </p:cNvPr>
@@ -2921,7 +2930,7 @@
             <a:avLst/>
           </a:prstGeom>
           <a:solidFill>
-            <a:schemeClr val="accent2"/>
+            <a:schemeClr val="tx1"/>
           </a:solidFill>
           <a:ln w="12700">
             <a:noFill/>
@@ -2996,7 +3005,7 @@
           <p:cNvPr id="6" name="Title 1">
             <a:extLst>
               <a:ext uri="{FF2B5EF4-FFF2-40B4-BE49-F238E27FC236}">
-                <a16:creationId xmlns:a16="http://schemas.microsoft.com/office/drawing/2014/main" id="{1069FB06-AA98-0839-17EC-52013C4FD3EB}"/>
+                <a16:creationId xmlns:a16="http://schemas.microsoft.com/office/drawing/2014/main" id="{0F9DDFFA-23FA-7706-E6C7-C8792C8A9528}"/>
               </a:ext>
             </a:extLst>
           </p:cNvPr>
@@ -3009,7 +3018,7 @@
         </p:nvSpPr>
         <p:spPr>
           <a:xfrm>
-            <a:off x="489699" y="70711"/>
+            <a:off x="489699" y="130086"/>
             <a:ext cx="11607800" cy="358951"/>
           </a:xfrm>
           <a:prstGeom prst="rect">
@@ -3021,17 +3030,25 @@
           <a:lstStyle/>
           <a:p>
             <a:r>
-              <a:rPr lang="en-US" dirty="0" err="1"/>
+              <a:rPr lang="en-US" sz="2800" dirty="0" err="1">
+                <a:solidFill>
+                  <a:srgbClr val="FF0000"/>
+                </a:solidFill>
+              </a:rPr>
               <a:t>Slide_title</a:t>
             </a:r>
-            <a:endParaRPr lang="en-US" dirty="0"/>
+            <a:endParaRPr lang="en-US" sz="2800" dirty="0">
+              <a:solidFill>
+                <a:srgbClr val="FF0000"/>
+              </a:solidFill>
+            </a:endParaRPr>
           </a:p>
         </p:txBody>
       </p:sp>
     </p:spTree>
     <p:extLst>
       <p:ext uri="{BB962C8B-B14F-4D97-AF65-F5344CB8AC3E}">
-        <p14:creationId xmlns:p14="http://schemas.microsoft.com/office/powerpoint/2010/main" val="3412317317"/>
+        <p14:creationId xmlns:p14="http://schemas.microsoft.com/office/powerpoint/2010/main" val="1438416477"/>
       </p:ext>
     </p:extLst>
   </p:cSld>
@@ -3049,7 +3066,7 @@
         <p:cNvPr id="1" name="">
           <a:extLst>
             <a:ext uri="{FF2B5EF4-FFF2-40B4-BE49-F238E27FC236}">
-              <a16:creationId xmlns:a16="http://schemas.microsoft.com/office/drawing/2014/main" id="{C51F2CF5-BCFD-F778-F4F2-949E313A9CD0}"/>
+              <a16:creationId xmlns:a16="http://schemas.microsoft.com/office/drawing/2014/main" id="{8B37E108-2018-0316-6DAE-ECD1C49702C3}"/>
             </a:ext>
           </a:extLst>
         </p:cNvPr>
@@ -3069,7 +3086,7 @@
           <p:cNvPr id="3" name="Slide Number Placeholder 2">
             <a:extLst>
               <a:ext uri="{FF2B5EF4-FFF2-40B4-BE49-F238E27FC236}">
-                <a16:creationId xmlns:a16="http://schemas.microsoft.com/office/drawing/2014/main" id="{21CED155-22CE-C636-E092-4E341FA09E7C}"/>
+                <a16:creationId xmlns:a16="http://schemas.microsoft.com/office/drawing/2014/main" id="{182779C1-DE1B-286A-45D5-56CCDF3DC989}"/>
               </a:ext>
             </a:extLst>
           </p:cNvPr>
@@ -3077,10 +3094,18 @@
             <a:spLocks noGrp="1"/>
           </p:cNvSpPr>
           <p:nvPr>
-            <p:ph type="sldNum" sz="quarter" idx="12"/>
+            <p:ph type="sldNum" sz="quarter" idx="4294967295"/>
           </p:nvPr>
         </p:nvSpPr>
-        <p:spPr/>
+        <p:spPr>
+          <a:xfrm>
+            <a:off x="11467389" y="6387728"/>
+            <a:ext cx="245186" cy="169277"/>
+          </a:xfrm>
+          <a:prstGeom prst="rect">
+            <a:avLst/>
+          </a:prstGeom>
+        </p:spPr>
         <p:txBody>
           <a:bodyPr/>
           <a:lstStyle/>
@@ -3158,7 +3183,7 @@
           <p:cNvPr id="5" name="Rectangle 4">
             <a:extLst>
               <a:ext uri="{FF2B5EF4-FFF2-40B4-BE49-F238E27FC236}">
-                <a16:creationId xmlns:a16="http://schemas.microsoft.com/office/drawing/2014/main" id="{F073D5F6-38DA-364E-427F-D01ECF4FA432}"/>
+                <a16:creationId xmlns:a16="http://schemas.microsoft.com/office/drawing/2014/main" id="{B50AFCDC-49FB-71E8-EB43-D1DB782841C0}"/>
               </a:ext>
             </a:extLst>
           </p:cNvPr>
@@ -3174,7 +3199,7 @@
             <a:avLst/>
           </a:prstGeom>
           <a:solidFill>
-            <a:schemeClr val="accent2"/>
+            <a:schemeClr val="accent3"/>
           </a:solidFill>
           <a:ln>
             <a:noFill/>
@@ -3242,7 +3267,7 @@
           <p:cNvPr id="7" name="Rectangle 6">
             <a:extLst>
               <a:ext uri="{FF2B5EF4-FFF2-40B4-BE49-F238E27FC236}">
-                <a16:creationId xmlns:a16="http://schemas.microsoft.com/office/drawing/2014/main" id="{785BF9C3-8475-8DD9-0AE5-2A636AB54D26}"/>
+                <a16:creationId xmlns:a16="http://schemas.microsoft.com/office/drawing/2014/main" id="{41E297A3-DC75-FBC6-5B7B-B22735CC9131}"/>
               </a:ext>
             </a:extLst>
           </p:cNvPr>
@@ -3333,7 +3358,7 @@
           <p:cNvPr id="8" name="Rectangle 7">
             <a:extLst>
               <a:ext uri="{FF2B5EF4-FFF2-40B4-BE49-F238E27FC236}">
-                <a16:creationId xmlns:a16="http://schemas.microsoft.com/office/drawing/2014/main" id="{4E442F30-3805-FC16-1130-92DFB1B53AB7}"/>
+                <a16:creationId xmlns:a16="http://schemas.microsoft.com/office/drawing/2014/main" id="{79BDC7C5-7FDF-C6C2-914F-7334E0854B9B}"/>
               </a:ext>
             </a:extLst>
           </p:cNvPr>
@@ -3349,7 +3374,7 @@
             <a:avLst/>
           </a:prstGeom>
           <a:solidFill>
-            <a:schemeClr val="accent2"/>
+            <a:schemeClr val="tx1"/>
           </a:solidFill>
           <a:ln w="12700">
             <a:noFill/>
@@ -3424,7 +3449,7 @@
           <p:cNvPr id="6" name="Title 1">
             <a:extLst>
               <a:ext uri="{FF2B5EF4-FFF2-40B4-BE49-F238E27FC236}">
-                <a16:creationId xmlns:a16="http://schemas.microsoft.com/office/drawing/2014/main" id="{FE5E1F15-29D9-5845-6839-76C09C4311C9}"/>
+                <a16:creationId xmlns:a16="http://schemas.microsoft.com/office/drawing/2014/main" id="{D6DF9302-1E35-2334-ED71-3A1EB508EECB}"/>
               </a:ext>
             </a:extLst>
           </p:cNvPr>
@@ -3437,7 +3462,7 @@
         </p:nvSpPr>
         <p:spPr>
           <a:xfrm>
-            <a:off x="489699" y="70711"/>
+            <a:off x="489699" y="130086"/>
             <a:ext cx="11607800" cy="358951"/>
           </a:xfrm>
           <a:prstGeom prst="rect">
@@ -3449,17 +3474,913 @@
           <a:lstStyle/>
           <a:p>
             <a:r>
-              <a:rPr lang="en-US" dirty="0" err="1"/>
+              <a:rPr lang="en-US" sz="2800" dirty="0" err="1">
+                <a:solidFill>
+                  <a:srgbClr val="FF0000"/>
+                </a:solidFill>
+              </a:rPr>
               <a:t>Slide_title</a:t>
             </a:r>
-            <a:endParaRPr lang="en-US" dirty="0"/>
+            <a:endParaRPr lang="en-US" sz="2800" dirty="0">
+              <a:solidFill>
+                <a:srgbClr val="FF0000"/>
+              </a:solidFill>
+            </a:endParaRPr>
           </a:p>
         </p:txBody>
       </p:sp>
     </p:spTree>
     <p:extLst>
       <p:ext uri="{BB962C8B-B14F-4D97-AF65-F5344CB8AC3E}">
-        <p14:creationId xmlns:p14="http://schemas.microsoft.com/office/powerpoint/2010/main" val="2614804901"/>
+        <p14:creationId xmlns:p14="http://schemas.microsoft.com/office/powerpoint/2010/main" val="1474285335"/>
+      </p:ext>
+    </p:extLst>
+  </p:cSld>
+  <p:clrMapOvr>
+    <a:masterClrMapping/>
+  </p:clrMapOvr>
+</p:sld>
+</file>
+
+<file path=ppt/slides/slide4.xml><?xml version="1.0" encoding="utf-8"?>
+<p:sld xmlns:a="http://schemas.openxmlformats.org/drawingml/2006/main" xmlns:r="http://schemas.openxmlformats.org/officeDocument/2006/relationships" xmlns:p="http://schemas.openxmlformats.org/presentationml/2006/main">
+  <p:cSld>
+    <p:spTree>
+      <p:nvGrpSpPr>
+        <p:cNvPr id="1" name="">
+          <a:extLst>
+            <a:ext uri="{FF2B5EF4-FFF2-40B4-BE49-F238E27FC236}">
+              <a16:creationId xmlns:a16="http://schemas.microsoft.com/office/drawing/2014/main" id="{406DD924-625C-9C80-F0C4-A49AD05C3B45}"/>
+            </a:ext>
+          </a:extLst>
+        </p:cNvPr>
+        <p:cNvGrpSpPr/>
+        <p:nvPr/>
+      </p:nvGrpSpPr>
+      <p:grpSpPr>
+        <a:xfrm>
+          <a:off x="0" y="0"/>
+          <a:ext cx="0" cy="0"/>
+          <a:chOff x="0" y="0"/>
+          <a:chExt cx="0" cy="0"/>
+        </a:xfrm>
+      </p:grpSpPr>
+      <p:sp>
+        <p:nvSpPr>
+          <p:cNvPr id="3" name="Slide Number Placeholder 2">
+            <a:extLst>
+              <a:ext uri="{FF2B5EF4-FFF2-40B4-BE49-F238E27FC236}">
+                <a16:creationId xmlns:a16="http://schemas.microsoft.com/office/drawing/2014/main" id="{23DF413B-8D00-37FF-9C43-7ED48FC9EEB3}"/>
+              </a:ext>
+            </a:extLst>
+          </p:cNvPr>
+          <p:cNvSpPr>
+            <a:spLocks noGrp="1"/>
+          </p:cNvSpPr>
+          <p:nvPr>
+            <p:ph type="sldNum" sz="quarter" idx="4294967295"/>
+          </p:nvPr>
+        </p:nvSpPr>
+        <p:spPr>
+          <a:xfrm>
+            <a:off x="11467389" y="6387728"/>
+            <a:ext cx="245186" cy="169277"/>
+          </a:xfrm>
+          <a:prstGeom prst="rect">
+            <a:avLst/>
+          </a:prstGeom>
+        </p:spPr>
+        <p:txBody>
+          <a:bodyPr/>
+          <a:lstStyle/>
+          <a:p>
+            <a:pPr marL="0" marR="0" lvl="0" indent="0" algn="r" defTabSz="914355" rtl="0" eaLnBrk="1" fontAlgn="auto" latinLnBrk="0" hangingPunct="1">
+              <a:lnSpc>
+                <a:spcPct val="100000"/>
+              </a:lnSpc>
+              <a:spcBef>
+                <a:spcPts val="0"/>
+              </a:spcBef>
+              <a:spcAft>
+                <a:spcPts val="0"/>
+              </a:spcAft>
+              <a:buClrTx/>
+              <a:buSzTx/>
+              <a:buFontTx/>
+              <a:buNone/>
+              <a:tabLst/>
+              <a:defRPr/>
+            </a:pPr>
+            <a:fld id="{91D568E7-61F5-D04E-995D-81EF41C01A2A}" type="slidenum">
+              <a:rPr kumimoji="0" lang="en-US" sz="1100" b="0" i="0" u="none" strike="noStrike" kern="1200" cap="none" spc="0" normalizeH="0" baseline="0" noProof="0" smtClean="0">
+                <a:ln>
+                  <a:noFill/>
+                </a:ln>
+                <a:solidFill>
+                  <a:srgbClr val="585858"/>
+                </a:solidFill>
+                <a:effectLst/>
+                <a:uLnTx/>
+                <a:uFillTx/>
+                <a:latin typeface="Calibri Light"/>
+                <a:ea typeface="+mn-ea"/>
+                <a:cs typeface="+mn-cs"/>
+              </a:rPr>
+              <a:pPr marL="0" marR="0" lvl="0" indent="0" algn="r" defTabSz="914355" rtl="0" eaLnBrk="1" fontAlgn="auto" latinLnBrk="0" hangingPunct="1">
+                <a:lnSpc>
+                  <a:spcPct val="100000"/>
+                </a:lnSpc>
+                <a:spcBef>
+                  <a:spcPts val="0"/>
+                </a:spcBef>
+                <a:spcAft>
+                  <a:spcPts val="0"/>
+                </a:spcAft>
+                <a:buClrTx/>
+                <a:buSzTx/>
+                <a:buFontTx/>
+                <a:buNone/>
+                <a:tabLst/>
+                <a:defRPr/>
+              </a:pPr>
+              <a:t>4</a:t>
+            </a:fld>
+            <a:endParaRPr kumimoji="0" lang="en-US" sz="1100" b="0" i="0" u="none" strike="noStrike" kern="1200" cap="none" spc="0" normalizeH="0" baseline="0" noProof="0" dirty="0">
+              <a:ln>
+                <a:noFill/>
+              </a:ln>
+              <a:solidFill>
+                <a:srgbClr val="585858"/>
+              </a:solidFill>
+              <a:effectLst/>
+              <a:uLnTx/>
+              <a:uFillTx/>
+              <a:latin typeface="Calibri Light"/>
+              <a:ea typeface="+mn-ea"/>
+              <a:cs typeface="+mn-cs"/>
+            </a:endParaRPr>
+          </a:p>
+        </p:txBody>
+      </p:sp>
+      <p:sp>
+        <p:nvSpPr>
+          <p:cNvPr id="5" name="Rectangle 4">
+            <a:extLst>
+              <a:ext uri="{FF2B5EF4-FFF2-40B4-BE49-F238E27FC236}">
+                <a16:creationId xmlns:a16="http://schemas.microsoft.com/office/drawing/2014/main" id="{C7E11296-E820-246A-16EB-1874338C70DC}"/>
+              </a:ext>
+            </a:extLst>
+          </p:cNvPr>
+          <p:cNvSpPr/>
+          <p:nvPr/>
+        </p:nvSpPr>
+        <p:spPr>
+          <a:xfrm>
+            <a:off x="394449" y="1048026"/>
+            <a:ext cx="11158142" cy="405353"/>
+          </a:xfrm>
+          <a:prstGeom prst="rect">
+            <a:avLst/>
+          </a:prstGeom>
+          <a:solidFill>
+            <a:schemeClr val="accent3"/>
+          </a:solidFill>
+          <a:ln>
+            <a:noFill/>
+          </a:ln>
+        </p:spPr>
+        <p:style>
+          <a:lnRef idx="2">
+            <a:schemeClr val="accent1">
+              <a:shade val="50000"/>
+            </a:schemeClr>
+          </a:lnRef>
+          <a:fillRef idx="1">
+            <a:schemeClr val="accent1"/>
+          </a:fillRef>
+          <a:effectRef idx="0">
+            <a:schemeClr val="accent1"/>
+          </a:effectRef>
+          <a:fontRef idx="minor">
+            <a:schemeClr val="lt1"/>
+          </a:fontRef>
+        </p:style>
+        <p:txBody>
+          <a:bodyPr rtlCol="0" anchor="ctr"/>
+          <a:lstStyle/>
+          <a:p>
+            <a:pPr marL="0" marR="0" lvl="0" indent="0" algn="ctr" defTabSz="914400" rtl="0" eaLnBrk="1" fontAlgn="auto" latinLnBrk="0" hangingPunct="1">
+              <a:lnSpc>
+                <a:spcPct val="100000"/>
+              </a:lnSpc>
+              <a:spcBef>
+                <a:spcPts val="0"/>
+              </a:spcBef>
+              <a:spcAft>
+                <a:spcPts val="0"/>
+              </a:spcAft>
+              <a:buClrTx/>
+              <a:buSzTx/>
+              <a:buFontTx/>
+              <a:buNone/>
+              <a:tabLst/>
+              <a:defRPr/>
+            </a:pPr>
+            <a:r>
+              <a:rPr kumimoji="0" lang="en-US" sz="1800" b="1" i="0" u="none" strike="noStrike" kern="1200" cap="none" spc="0" normalizeH="0" baseline="0" noProof="0" dirty="0">
+                <a:ln>
+                  <a:noFill/>
+                </a:ln>
+                <a:solidFill>
+                  <a:prstClr val="white"/>
+                </a:solidFill>
+                <a:effectLst/>
+                <a:uLnTx/>
+                <a:uFillTx/>
+                <a:latin typeface="Source Sans Pro"/>
+                <a:ea typeface="+mn-ea"/>
+                <a:cs typeface="+mn-cs"/>
+              </a:rPr>
+              <a:t>Key Research Findings</a:t>
+            </a:r>
+          </a:p>
+        </p:txBody>
+      </p:sp>
+      <p:sp>
+        <p:nvSpPr>
+          <p:cNvPr id="7" name="Rectangle 6">
+            <a:extLst>
+              <a:ext uri="{FF2B5EF4-FFF2-40B4-BE49-F238E27FC236}">
+                <a16:creationId xmlns:a16="http://schemas.microsoft.com/office/drawing/2014/main" id="{244B4040-DFEC-7368-174B-D752874E2530}"/>
+              </a:ext>
+            </a:extLst>
+          </p:cNvPr>
+          <p:cNvSpPr/>
+          <p:nvPr/>
+        </p:nvSpPr>
+        <p:spPr bwMode="auto">
+          <a:xfrm>
+            <a:off x="1994255" y="1502448"/>
+            <a:ext cx="9558335" cy="4801054"/>
+          </a:xfrm>
+          <a:prstGeom prst="rect">
+            <a:avLst/>
+          </a:prstGeom>
+          <a:solidFill>
+            <a:schemeClr val="bg1">
+              <a:lumMod val="95000"/>
+            </a:schemeClr>
+          </a:solidFill>
+          <a:ln w="12700">
+            <a:noFill/>
+            <a:miter lim="800000"/>
+            <a:headEnd/>
+            <a:tailEnd/>
+          </a:ln>
+          <a:effectLst/>
+        </p:spPr>
+        <p:txBody>
+          <a:bodyPr rot="0" spcFirstLastPara="0" vertOverflow="overflow" horzOverflow="overflow" vert="horz" wrap="square" lIns="91440" tIns="91440" rIns="91440" bIns="91440" numCol="1" spcCol="0" rtlCol="0" fromWordArt="0" anchor="ctr" anchorCtr="0" forceAA="0" compatLnSpc="1">
+            <a:prstTxWarp prst="textNoShape">
+              <a:avLst/>
+            </a:prstTxWarp>
+            <a:noAutofit/>
+          </a:bodyPr>
+          <a:lstStyle/>
+          <a:p>
+            <a:pPr marR="0" lvl="0" algn="l" defTabSz="914400" rtl="0" eaLnBrk="1" fontAlgn="auto" latinLnBrk="0" hangingPunct="1">
+              <a:lnSpc>
+                <a:spcPct val="100000"/>
+              </a:lnSpc>
+              <a:spcBef>
+                <a:spcPts val="600"/>
+              </a:spcBef>
+              <a:spcAft>
+                <a:spcPts val="0"/>
+              </a:spcAft>
+              <a:buClrTx/>
+              <a:buSzTx/>
+              <a:tabLst/>
+              <a:defRPr/>
+            </a:pPr>
+            <a:r>
+              <a:rPr kumimoji="0" lang="en-US" sz="1400" b="0" i="0" u="none" strike="noStrike" kern="1200" cap="none" spc="0" normalizeH="0" baseline="0" noProof="0" dirty="0" err="1">
+                <a:ln>
+                  <a:noFill/>
+                </a:ln>
+                <a:solidFill>
+                  <a:sysClr val="windowText" lastClr="000000"/>
+                </a:solidFill>
+                <a:effectLst/>
+                <a:uLnTx/>
+                <a:uFillTx/>
+                <a:latin typeface="Source Sans Pro"/>
+                <a:ea typeface="+mn-ea"/>
+                <a:cs typeface="+mn-cs"/>
+              </a:rPr>
+              <a:t>Key_research_findings</a:t>
+            </a:r>
+            <a:endParaRPr kumimoji="0" lang="en-US" sz="1400" b="0" i="0" u="none" strike="noStrike" kern="1200" cap="none" spc="0" normalizeH="0" baseline="0" noProof="0" dirty="0">
+              <a:ln>
+                <a:noFill/>
+              </a:ln>
+              <a:solidFill>
+                <a:sysClr val="windowText" lastClr="000000"/>
+              </a:solidFill>
+              <a:effectLst/>
+              <a:uLnTx/>
+              <a:uFillTx/>
+              <a:latin typeface="Source Sans Pro"/>
+              <a:ea typeface="+mn-ea"/>
+              <a:cs typeface="+mn-cs"/>
+            </a:endParaRPr>
+          </a:p>
+        </p:txBody>
+      </p:sp>
+      <p:sp>
+        <p:nvSpPr>
+          <p:cNvPr id="8" name="Rectangle 7">
+            <a:extLst>
+              <a:ext uri="{FF2B5EF4-FFF2-40B4-BE49-F238E27FC236}">
+                <a16:creationId xmlns:a16="http://schemas.microsoft.com/office/drawing/2014/main" id="{D557C6D8-FA5E-4852-5504-58A03F89CC84}"/>
+              </a:ext>
+            </a:extLst>
+          </p:cNvPr>
+          <p:cNvSpPr/>
+          <p:nvPr/>
+        </p:nvSpPr>
+        <p:spPr bwMode="auto">
+          <a:xfrm>
+            <a:off x="394449" y="1499636"/>
+            <a:ext cx="1493365" cy="4801054"/>
+          </a:xfrm>
+          <a:prstGeom prst="rect">
+            <a:avLst/>
+          </a:prstGeom>
+          <a:solidFill>
+            <a:schemeClr val="tx1"/>
+          </a:solidFill>
+          <a:ln w="12700">
+            <a:noFill/>
+            <a:miter lim="800000"/>
+            <a:headEnd/>
+            <a:tailEnd/>
+          </a:ln>
+          <a:effectLst/>
+        </p:spPr>
+        <p:txBody>
+          <a:bodyPr rot="0" spcFirstLastPara="0" vertOverflow="overflow" horzOverflow="overflow" vert="horz" wrap="square" lIns="91440" tIns="91440" rIns="91440" bIns="91440" numCol="1" spcCol="0" rtlCol="0" fromWordArt="0" anchor="ctr" anchorCtr="0" forceAA="0" compatLnSpc="1">
+            <a:prstTxWarp prst="textNoShape">
+              <a:avLst/>
+            </a:prstTxWarp>
+            <a:noAutofit/>
+          </a:bodyPr>
+          <a:lstStyle/>
+          <a:p>
+            <a:pPr marL="0" marR="0" lvl="0" indent="0" algn="ctr" defTabSz="914400" rtl="0" eaLnBrk="1" fontAlgn="auto" latinLnBrk="0" hangingPunct="1">
+              <a:lnSpc>
+                <a:spcPct val="100000"/>
+              </a:lnSpc>
+              <a:spcBef>
+                <a:spcPts val="600"/>
+              </a:spcBef>
+              <a:spcAft>
+                <a:spcPts val="0"/>
+              </a:spcAft>
+              <a:buClrTx/>
+              <a:buSzTx/>
+              <a:buFontTx/>
+              <a:buNone/>
+              <a:tabLst/>
+              <a:defRPr/>
+            </a:pPr>
+            <a:r>
+              <a:rPr kumimoji="0" lang="en-US" sz="1400" b="1" i="0" u="none" strike="noStrike" kern="1200" cap="none" spc="0" normalizeH="0" baseline="0" noProof="0" dirty="0" err="1">
+                <a:ln>
+                  <a:noFill/>
+                </a:ln>
+                <a:solidFill>
+                  <a:prstClr val="white"/>
+                </a:solidFill>
+                <a:effectLst/>
+                <a:uLnTx/>
+                <a:uFillTx/>
+                <a:latin typeface="Source Sans Pro"/>
+                <a:ea typeface="+mn-ea"/>
+                <a:cs typeface="+mn-cs"/>
+              </a:rPr>
+              <a:t>Journey_phase</a:t>
+            </a:r>
+            <a:endParaRPr kumimoji="0" lang="en-US" sz="1400" b="1" i="0" u="none" strike="noStrike" kern="1200" cap="none" spc="0" normalizeH="0" baseline="0" noProof="0" dirty="0">
+              <a:ln>
+                <a:noFill/>
+              </a:ln>
+              <a:solidFill>
+                <a:prstClr val="white"/>
+              </a:solidFill>
+              <a:effectLst/>
+              <a:uLnTx/>
+              <a:uFillTx/>
+              <a:latin typeface="Source Sans Pro"/>
+              <a:ea typeface="+mn-ea"/>
+              <a:cs typeface="+mn-cs"/>
+            </a:endParaRPr>
+          </a:p>
+        </p:txBody>
+      </p:sp>
+      <p:sp>
+        <p:nvSpPr>
+          <p:cNvPr id="6" name="Title 1">
+            <a:extLst>
+              <a:ext uri="{FF2B5EF4-FFF2-40B4-BE49-F238E27FC236}">
+                <a16:creationId xmlns:a16="http://schemas.microsoft.com/office/drawing/2014/main" id="{203360C1-DC4B-6CC2-2879-A5FB98739BA0}"/>
+              </a:ext>
+            </a:extLst>
+          </p:cNvPr>
+          <p:cNvSpPr>
+            <a:spLocks noGrp="1"/>
+          </p:cNvSpPr>
+          <p:nvPr>
+            <p:ph type="title" idx="4294967295"/>
+          </p:nvPr>
+        </p:nvSpPr>
+        <p:spPr>
+          <a:xfrm>
+            <a:off x="489699" y="130086"/>
+            <a:ext cx="11607800" cy="358951"/>
+          </a:xfrm>
+          <a:prstGeom prst="rect">
+            <a:avLst/>
+          </a:prstGeom>
+        </p:spPr>
+        <p:txBody>
+          <a:bodyPr/>
+          <a:lstStyle/>
+          <a:p>
+            <a:r>
+              <a:rPr lang="en-US" sz="2800" dirty="0" err="1">
+                <a:solidFill>
+                  <a:srgbClr val="FF0000"/>
+                </a:solidFill>
+              </a:rPr>
+              <a:t>Slide_title</a:t>
+            </a:r>
+            <a:endParaRPr lang="en-US" sz="2800" dirty="0">
+              <a:solidFill>
+                <a:srgbClr val="FF0000"/>
+              </a:solidFill>
+            </a:endParaRPr>
+          </a:p>
+        </p:txBody>
+      </p:sp>
+    </p:spTree>
+    <p:extLst>
+      <p:ext uri="{BB962C8B-B14F-4D97-AF65-F5344CB8AC3E}">
+        <p14:creationId xmlns:p14="http://schemas.microsoft.com/office/powerpoint/2010/main" val="1090723938"/>
+      </p:ext>
+    </p:extLst>
+  </p:cSld>
+  <p:clrMapOvr>
+    <a:masterClrMapping/>
+  </p:clrMapOvr>
+</p:sld>
+</file>
+
+<file path=ppt/slides/slide5.xml><?xml version="1.0" encoding="utf-8"?>
+<p:sld xmlns:a="http://schemas.openxmlformats.org/drawingml/2006/main" xmlns:r="http://schemas.openxmlformats.org/officeDocument/2006/relationships" xmlns:p="http://schemas.openxmlformats.org/presentationml/2006/main">
+  <p:cSld>
+    <p:spTree>
+      <p:nvGrpSpPr>
+        <p:cNvPr id="1" name="">
+          <a:extLst>
+            <a:ext uri="{FF2B5EF4-FFF2-40B4-BE49-F238E27FC236}">
+              <a16:creationId xmlns:a16="http://schemas.microsoft.com/office/drawing/2014/main" id="{7F1993A5-7432-E0C0-1550-FEEF09428551}"/>
+            </a:ext>
+          </a:extLst>
+        </p:cNvPr>
+        <p:cNvGrpSpPr/>
+        <p:nvPr/>
+      </p:nvGrpSpPr>
+      <p:grpSpPr>
+        <a:xfrm>
+          <a:off x="0" y="0"/>
+          <a:ext cx="0" cy="0"/>
+          <a:chOff x="0" y="0"/>
+          <a:chExt cx="0" cy="0"/>
+        </a:xfrm>
+      </p:grpSpPr>
+      <p:sp>
+        <p:nvSpPr>
+          <p:cNvPr id="3" name="Slide Number Placeholder 2">
+            <a:extLst>
+              <a:ext uri="{FF2B5EF4-FFF2-40B4-BE49-F238E27FC236}">
+                <a16:creationId xmlns:a16="http://schemas.microsoft.com/office/drawing/2014/main" id="{D5405078-7CD4-86A4-6C8E-020C0A01A2BF}"/>
+              </a:ext>
+            </a:extLst>
+          </p:cNvPr>
+          <p:cNvSpPr>
+            <a:spLocks noGrp="1"/>
+          </p:cNvSpPr>
+          <p:nvPr>
+            <p:ph type="sldNum" sz="quarter" idx="4294967295"/>
+          </p:nvPr>
+        </p:nvSpPr>
+        <p:spPr>
+          <a:xfrm>
+            <a:off x="11467389" y="6387728"/>
+            <a:ext cx="245186" cy="169277"/>
+          </a:xfrm>
+          <a:prstGeom prst="rect">
+            <a:avLst/>
+          </a:prstGeom>
+        </p:spPr>
+        <p:txBody>
+          <a:bodyPr/>
+          <a:lstStyle/>
+          <a:p>
+            <a:pPr marL="0" marR="0" lvl="0" indent="0" algn="r" defTabSz="914355" rtl="0" eaLnBrk="1" fontAlgn="auto" latinLnBrk="0" hangingPunct="1">
+              <a:lnSpc>
+                <a:spcPct val="100000"/>
+              </a:lnSpc>
+              <a:spcBef>
+                <a:spcPts val="0"/>
+              </a:spcBef>
+              <a:spcAft>
+                <a:spcPts val="0"/>
+              </a:spcAft>
+              <a:buClrTx/>
+              <a:buSzTx/>
+              <a:buFontTx/>
+              <a:buNone/>
+              <a:tabLst/>
+              <a:defRPr/>
+            </a:pPr>
+            <a:fld id="{91D568E7-61F5-D04E-995D-81EF41C01A2A}" type="slidenum">
+              <a:rPr kumimoji="0" lang="en-US" sz="1100" b="0" i="0" u="none" strike="noStrike" kern="1200" cap="none" spc="0" normalizeH="0" baseline="0" noProof="0" smtClean="0">
+                <a:ln>
+                  <a:noFill/>
+                </a:ln>
+                <a:solidFill>
+                  <a:srgbClr val="585858"/>
+                </a:solidFill>
+                <a:effectLst/>
+                <a:uLnTx/>
+                <a:uFillTx/>
+                <a:latin typeface="Calibri Light"/>
+                <a:ea typeface="+mn-ea"/>
+                <a:cs typeface="+mn-cs"/>
+              </a:rPr>
+              <a:pPr marL="0" marR="0" lvl="0" indent="0" algn="r" defTabSz="914355" rtl="0" eaLnBrk="1" fontAlgn="auto" latinLnBrk="0" hangingPunct="1">
+                <a:lnSpc>
+                  <a:spcPct val="100000"/>
+                </a:lnSpc>
+                <a:spcBef>
+                  <a:spcPts val="0"/>
+                </a:spcBef>
+                <a:spcAft>
+                  <a:spcPts val="0"/>
+                </a:spcAft>
+                <a:buClrTx/>
+                <a:buSzTx/>
+                <a:buFontTx/>
+                <a:buNone/>
+                <a:tabLst/>
+                <a:defRPr/>
+              </a:pPr>
+              <a:t>5</a:t>
+            </a:fld>
+            <a:endParaRPr kumimoji="0" lang="en-US" sz="1100" b="0" i="0" u="none" strike="noStrike" kern="1200" cap="none" spc="0" normalizeH="0" baseline="0" noProof="0" dirty="0">
+              <a:ln>
+                <a:noFill/>
+              </a:ln>
+              <a:solidFill>
+                <a:srgbClr val="585858"/>
+              </a:solidFill>
+              <a:effectLst/>
+              <a:uLnTx/>
+              <a:uFillTx/>
+              <a:latin typeface="Calibri Light"/>
+              <a:ea typeface="+mn-ea"/>
+              <a:cs typeface="+mn-cs"/>
+            </a:endParaRPr>
+          </a:p>
+        </p:txBody>
+      </p:sp>
+      <p:sp>
+        <p:nvSpPr>
+          <p:cNvPr id="5" name="Rectangle 4">
+            <a:extLst>
+              <a:ext uri="{FF2B5EF4-FFF2-40B4-BE49-F238E27FC236}">
+                <a16:creationId xmlns:a16="http://schemas.microsoft.com/office/drawing/2014/main" id="{75A39D88-6A46-D1C6-3E96-75F8568EC907}"/>
+              </a:ext>
+            </a:extLst>
+          </p:cNvPr>
+          <p:cNvSpPr/>
+          <p:nvPr/>
+        </p:nvSpPr>
+        <p:spPr>
+          <a:xfrm>
+            <a:off x="394449" y="1048026"/>
+            <a:ext cx="11158142" cy="405353"/>
+          </a:xfrm>
+          <a:prstGeom prst="rect">
+            <a:avLst/>
+          </a:prstGeom>
+          <a:solidFill>
+            <a:schemeClr val="accent3"/>
+          </a:solidFill>
+          <a:ln>
+            <a:noFill/>
+          </a:ln>
+        </p:spPr>
+        <p:style>
+          <a:lnRef idx="2">
+            <a:schemeClr val="accent1">
+              <a:shade val="50000"/>
+            </a:schemeClr>
+          </a:lnRef>
+          <a:fillRef idx="1">
+            <a:schemeClr val="accent1"/>
+          </a:fillRef>
+          <a:effectRef idx="0">
+            <a:schemeClr val="accent1"/>
+          </a:effectRef>
+          <a:fontRef idx="minor">
+            <a:schemeClr val="lt1"/>
+          </a:fontRef>
+        </p:style>
+        <p:txBody>
+          <a:bodyPr rtlCol="0" anchor="ctr"/>
+          <a:lstStyle/>
+          <a:p>
+            <a:pPr marL="0" marR="0" lvl="0" indent="0" algn="ctr" defTabSz="914400" rtl="0" eaLnBrk="1" fontAlgn="auto" latinLnBrk="0" hangingPunct="1">
+              <a:lnSpc>
+                <a:spcPct val="100000"/>
+              </a:lnSpc>
+              <a:spcBef>
+                <a:spcPts val="0"/>
+              </a:spcBef>
+              <a:spcAft>
+                <a:spcPts val="0"/>
+              </a:spcAft>
+              <a:buClrTx/>
+              <a:buSzTx/>
+              <a:buFontTx/>
+              <a:buNone/>
+              <a:tabLst/>
+              <a:defRPr/>
+            </a:pPr>
+            <a:r>
+              <a:rPr kumimoji="0" lang="en-US" sz="1800" b="1" i="0" u="none" strike="noStrike" kern="1200" cap="none" spc="0" normalizeH="0" baseline="0" noProof="0" dirty="0">
+                <a:ln>
+                  <a:noFill/>
+                </a:ln>
+                <a:solidFill>
+                  <a:prstClr val="white"/>
+                </a:solidFill>
+                <a:effectLst/>
+                <a:uLnTx/>
+                <a:uFillTx/>
+                <a:latin typeface="Source Sans Pro"/>
+                <a:ea typeface="+mn-ea"/>
+                <a:cs typeface="+mn-cs"/>
+              </a:rPr>
+              <a:t>Key Research Findings</a:t>
+            </a:r>
+          </a:p>
+        </p:txBody>
+      </p:sp>
+      <p:sp>
+        <p:nvSpPr>
+          <p:cNvPr id="7" name="Rectangle 6">
+            <a:extLst>
+              <a:ext uri="{FF2B5EF4-FFF2-40B4-BE49-F238E27FC236}">
+                <a16:creationId xmlns:a16="http://schemas.microsoft.com/office/drawing/2014/main" id="{B5AA1687-A61D-0E72-6F7B-665752DE07D9}"/>
+              </a:ext>
+            </a:extLst>
+          </p:cNvPr>
+          <p:cNvSpPr/>
+          <p:nvPr/>
+        </p:nvSpPr>
+        <p:spPr bwMode="auto">
+          <a:xfrm>
+            <a:off x="1994255" y="1502448"/>
+            <a:ext cx="9558335" cy="4801054"/>
+          </a:xfrm>
+          <a:prstGeom prst="rect">
+            <a:avLst/>
+          </a:prstGeom>
+          <a:solidFill>
+            <a:schemeClr val="bg1">
+              <a:lumMod val="95000"/>
+            </a:schemeClr>
+          </a:solidFill>
+          <a:ln w="12700">
+            <a:noFill/>
+            <a:miter lim="800000"/>
+            <a:headEnd/>
+            <a:tailEnd/>
+          </a:ln>
+          <a:effectLst/>
+        </p:spPr>
+        <p:txBody>
+          <a:bodyPr rot="0" spcFirstLastPara="0" vertOverflow="overflow" horzOverflow="overflow" vert="horz" wrap="square" lIns="91440" tIns="91440" rIns="91440" bIns="91440" numCol="1" spcCol="0" rtlCol="0" fromWordArt="0" anchor="ctr" anchorCtr="0" forceAA="0" compatLnSpc="1">
+            <a:prstTxWarp prst="textNoShape">
+              <a:avLst/>
+            </a:prstTxWarp>
+            <a:noAutofit/>
+          </a:bodyPr>
+          <a:lstStyle/>
+          <a:p>
+            <a:pPr marR="0" lvl="0" algn="l" defTabSz="914400" rtl="0" eaLnBrk="1" fontAlgn="auto" latinLnBrk="0" hangingPunct="1">
+              <a:lnSpc>
+                <a:spcPct val="100000"/>
+              </a:lnSpc>
+              <a:spcBef>
+                <a:spcPts val="600"/>
+              </a:spcBef>
+              <a:spcAft>
+                <a:spcPts val="0"/>
+              </a:spcAft>
+              <a:buClrTx/>
+              <a:buSzTx/>
+              <a:tabLst/>
+              <a:defRPr/>
+            </a:pPr>
+            <a:r>
+              <a:rPr kumimoji="0" lang="en-US" sz="1400" b="0" i="0" u="none" strike="noStrike" kern="1200" cap="none" spc="0" normalizeH="0" baseline="0" noProof="0" dirty="0" err="1">
+                <a:ln>
+                  <a:noFill/>
+                </a:ln>
+                <a:solidFill>
+                  <a:sysClr val="windowText" lastClr="000000"/>
+                </a:solidFill>
+                <a:effectLst/>
+                <a:uLnTx/>
+                <a:uFillTx/>
+                <a:latin typeface="Source Sans Pro"/>
+                <a:ea typeface="+mn-ea"/>
+                <a:cs typeface="+mn-cs"/>
+              </a:rPr>
+              <a:t>Key_research_findings</a:t>
+            </a:r>
+            <a:endParaRPr kumimoji="0" lang="en-US" sz="1400" b="0" i="0" u="none" strike="noStrike" kern="1200" cap="none" spc="0" normalizeH="0" baseline="0" noProof="0" dirty="0">
+              <a:ln>
+                <a:noFill/>
+              </a:ln>
+              <a:solidFill>
+                <a:sysClr val="windowText" lastClr="000000"/>
+              </a:solidFill>
+              <a:effectLst/>
+              <a:uLnTx/>
+              <a:uFillTx/>
+              <a:latin typeface="Source Sans Pro"/>
+              <a:ea typeface="+mn-ea"/>
+              <a:cs typeface="+mn-cs"/>
+            </a:endParaRPr>
+          </a:p>
+        </p:txBody>
+      </p:sp>
+      <p:sp>
+        <p:nvSpPr>
+          <p:cNvPr id="8" name="Rectangle 7">
+            <a:extLst>
+              <a:ext uri="{FF2B5EF4-FFF2-40B4-BE49-F238E27FC236}">
+                <a16:creationId xmlns:a16="http://schemas.microsoft.com/office/drawing/2014/main" id="{6E0AD0FA-414D-6933-F13A-FD847A00D83F}"/>
+              </a:ext>
+            </a:extLst>
+          </p:cNvPr>
+          <p:cNvSpPr/>
+          <p:nvPr/>
+        </p:nvSpPr>
+        <p:spPr bwMode="auto">
+          <a:xfrm>
+            <a:off x="394449" y="1499636"/>
+            <a:ext cx="1493365" cy="4801054"/>
+          </a:xfrm>
+          <a:prstGeom prst="rect">
+            <a:avLst/>
+          </a:prstGeom>
+          <a:solidFill>
+            <a:schemeClr val="tx1"/>
+          </a:solidFill>
+          <a:ln w="12700">
+            <a:noFill/>
+            <a:miter lim="800000"/>
+            <a:headEnd/>
+            <a:tailEnd/>
+          </a:ln>
+          <a:effectLst/>
+        </p:spPr>
+        <p:txBody>
+          <a:bodyPr rot="0" spcFirstLastPara="0" vertOverflow="overflow" horzOverflow="overflow" vert="horz" wrap="square" lIns="91440" tIns="91440" rIns="91440" bIns="91440" numCol="1" spcCol="0" rtlCol="0" fromWordArt="0" anchor="ctr" anchorCtr="0" forceAA="0" compatLnSpc="1">
+            <a:prstTxWarp prst="textNoShape">
+              <a:avLst/>
+            </a:prstTxWarp>
+            <a:noAutofit/>
+          </a:bodyPr>
+          <a:lstStyle/>
+          <a:p>
+            <a:pPr marL="0" marR="0" lvl="0" indent="0" algn="ctr" defTabSz="914400" rtl="0" eaLnBrk="1" fontAlgn="auto" latinLnBrk="0" hangingPunct="1">
+              <a:lnSpc>
+                <a:spcPct val="100000"/>
+              </a:lnSpc>
+              <a:spcBef>
+                <a:spcPts val="600"/>
+              </a:spcBef>
+              <a:spcAft>
+                <a:spcPts val="0"/>
+              </a:spcAft>
+              <a:buClrTx/>
+              <a:buSzTx/>
+              <a:buFontTx/>
+              <a:buNone/>
+              <a:tabLst/>
+              <a:defRPr/>
+            </a:pPr>
+            <a:r>
+              <a:rPr kumimoji="0" lang="en-US" sz="1400" b="1" i="0" u="none" strike="noStrike" kern="1200" cap="none" spc="0" normalizeH="0" baseline="0" noProof="0" dirty="0" err="1">
+                <a:ln>
+                  <a:noFill/>
+                </a:ln>
+                <a:solidFill>
+                  <a:prstClr val="white"/>
+                </a:solidFill>
+                <a:effectLst/>
+                <a:uLnTx/>
+                <a:uFillTx/>
+                <a:latin typeface="Source Sans Pro"/>
+                <a:ea typeface="+mn-ea"/>
+                <a:cs typeface="+mn-cs"/>
+              </a:rPr>
+              <a:t>Journey_phase</a:t>
+            </a:r>
+            <a:endParaRPr kumimoji="0" lang="en-US" sz="1400" b="1" i="0" u="none" strike="noStrike" kern="1200" cap="none" spc="0" normalizeH="0" baseline="0" noProof="0" dirty="0">
+              <a:ln>
+                <a:noFill/>
+              </a:ln>
+              <a:solidFill>
+                <a:prstClr val="white"/>
+              </a:solidFill>
+              <a:effectLst/>
+              <a:uLnTx/>
+              <a:uFillTx/>
+              <a:latin typeface="Source Sans Pro"/>
+              <a:ea typeface="+mn-ea"/>
+              <a:cs typeface="+mn-cs"/>
+            </a:endParaRPr>
+          </a:p>
+        </p:txBody>
+      </p:sp>
+      <p:sp>
+        <p:nvSpPr>
+          <p:cNvPr id="6" name="Title 1">
+            <a:extLst>
+              <a:ext uri="{FF2B5EF4-FFF2-40B4-BE49-F238E27FC236}">
+                <a16:creationId xmlns:a16="http://schemas.microsoft.com/office/drawing/2014/main" id="{3AA851F4-B2F6-A6A7-2855-B8C777EE939E}"/>
+              </a:ext>
+            </a:extLst>
+          </p:cNvPr>
+          <p:cNvSpPr>
+            <a:spLocks noGrp="1"/>
+          </p:cNvSpPr>
+          <p:nvPr>
+            <p:ph type="title" idx="4294967295"/>
+          </p:nvPr>
+        </p:nvSpPr>
+        <p:spPr>
+          <a:xfrm>
+            <a:off x="489699" y="130086"/>
+            <a:ext cx="11607800" cy="358951"/>
+          </a:xfrm>
+          <a:prstGeom prst="rect">
+            <a:avLst/>
+          </a:prstGeom>
+        </p:spPr>
+        <p:txBody>
+          <a:bodyPr/>
+          <a:lstStyle/>
+          <a:p>
+            <a:r>
+              <a:rPr lang="en-US" sz="2800" dirty="0" err="1">
+                <a:solidFill>
+                  <a:srgbClr val="FF0000"/>
+                </a:solidFill>
+              </a:rPr>
+              <a:t>Slide_title</a:t>
+            </a:r>
+            <a:endParaRPr lang="en-US" sz="2800" dirty="0">
+              <a:solidFill>
+                <a:srgbClr val="FF0000"/>
+              </a:solidFill>
+            </a:endParaRPr>
+          </a:p>
+        </p:txBody>
+      </p:sp>
+    </p:spTree>
+    <p:extLst>
+      <p:ext uri="{BB962C8B-B14F-4D97-AF65-F5344CB8AC3E}">
+        <p14:creationId xmlns:p14="http://schemas.microsoft.com/office/powerpoint/2010/main" val="2952413835"/>
       </p:ext>
     </p:extLst>
   </p:cSld>
@@ -4082,6 +5003,15 @@
 </file>
 
 <file path=customXml/item2.xml><?xml version="1.0" encoding="utf-8"?>
+<?mso-contentType ?>
+<FormTemplates xmlns="http://schemas.microsoft.com/sharepoint/v3/contenttype/forms">
+  <Display>DocumentLibraryForm</Display>
+  <Edit>DocumentLibraryForm</Edit>
+  <New>DocumentLibraryForm</New>
+</FormTemplates>
+</file>
+
+<file path=customXml/item3.xml><?xml version="1.0" encoding="utf-8"?>
 <ct:contentTypeSchema xmlns:ct="http://schemas.microsoft.com/office/2006/metadata/contentType" xmlns:ma="http://schemas.microsoft.com/office/2006/metadata/properties/metaAttributes" ct:_="" ma:_="" ma:contentTypeName="Document" ma:contentTypeID="0x01010000B8969B1D85ED468B4A32524C8EB467" ma:contentTypeVersion="16" ma:contentTypeDescription="Create a new document." ma:contentTypeScope="" ma:versionID="a3b12349738556000ad8855ecd2c393f">
   <xsd:schema xmlns:xsd="http://www.w3.org/2001/XMLSchema" xmlns:xs="http://www.w3.org/2001/XMLSchema" xmlns:p="http://schemas.microsoft.com/office/2006/metadata/properties" xmlns:ns2="6dc91c6c-5e53-4c8c-a3fb-9caeae119bcb" xmlns:ns3="dc6f90a6-ed64-4feb-b6b9-579dc713ce07" targetNamespace="http://schemas.microsoft.com/office/2006/metadata/properties" ma:root="true" ma:fieldsID="9a7505257c32dcded87cf9bed7810987" ns2:_="" ns3:_="">
     <xsd:import namespace="6dc91c6c-5e53-4c8c-a3fb-9caeae119bcb"/>
@@ -4326,15 +5256,6 @@
 </ct:contentTypeSchema>
 </file>
 
-<file path=customXml/item3.xml><?xml version="1.0" encoding="utf-8"?>
-<?mso-contentType ?>
-<FormTemplates xmlns="http://schemas.microsoft.com/sharepoint/v3/contenttype/forms">
-  <Display>DocumentLibraryForm</Display>
-  <Edit>DocumentLibraryForm</Edit>
-  <New>DocumentLibraryForm</New>
-</FormTemplates>
-</file>
-
 <file path=customXml/itemProps1.xml><?xml version="1.0" encoding="utf-8"?>
 <ds:datastoreItem xmlns:ds="http://schemas.openxmlformats.org/officeDocument/2006/customXml" ds:itemID="{B29EFE3B-063C-44FB-A41B-368C8DBBC7F7}">
   <ds:schemaRefs>
@@ -4353,6 +5274,14 @@
 </file>
 
 <file path=customXml/itemProps2.xml><?xml version="1.0" encoding="utf-8"?>
+<ds:datastoreItem xmlns:ds="http://schemas.openxmlformats.org/officeDocument/2006/customXml" ds:itemID="{7CB840CC-CBE4-4CF6-AB29-BDA7377F3DAE}">
+  <ds:schemaRefs>
+    <ds:schemaRef ds:uri="http://schemas.microsoft.com/sharepoint/v3/contenttype/forms"/>
+  </ds:schemaRefs>
+</ds:datastoreItem>
+</file>
+
+<file path=customXml/itemProps3.xml><?xml version="1.0" encoding="utf-8"?>
 <ds:datastoreItem xmlns:ds="http://schemas.openxmlformats.org/officeDocument/2006/customXml" ds:itemID="{D8028161-C513-42F7-802C-D4B318E22B3C}">
   <ds:schemaRefs>
     <ds:schemaRef ds:uri="http://schemas.microsoft.com/office/2006/metadata/contentType"/>
@@ -4369,12 +5298,4 @@
     <ds:schemaRef ds:uri="http://schemas.microsoft.com/internal/obd"/>
   </ds:schemaRefs>
 </ds:datastoreItem>
-</file>
-
-<file path=customXml/itemProps3.xml><?xml version="1.0" encoding="utf-8"?>
-<ds:datastoreItem xmlns:ds="http://schemas.openxmlformats.org/officeDocument/2006/customXml" ds:itemID="{7CB840CC-CBE4-4CF6-AB29-BDA7377F3DAE}">
-  <ds:schemaRefs>
-    <ds:schemaRef ds:uri="http://schemas.microsoft.com/sharepoint/v3/contenttype/forms"/>
-  </ds:schemaRefs>
-</ds:datastoreItem>
 </file>